--- a/simran_presentation/COMP7033 Coursework.pptx
+++ b/simran_presentation/COMP7033 Coursework.pptx
@@ -17,6 +17,16 @@
     <p:sldId id="266" r:id="rId11"/>
     <p:sldId id="265" r:id="rId12"/>
     <p:sldId id="267" r:id="rId13"/>
+    <p:sldId id="268" r:id="rId14"/>
+    <p:sldId id="269" r:id="rId15"/>
+    <p:sldId id="270" r:id="rId16"/>
+    <p:sldId id="271" r:id="rId17"/>
+    <p:sldId id="272" r:id="rId18"/>
+    <p:sldId id="273" r:id="rId19"/>
+    <p:sldId id="274" r:id="rId20"/>
+    <p:sldId id="276" r:id="rId21"/>
+    <p:sldId id="277" r:id="rId22"/>
+    <p:sldId id="275" r:id="rId23"/>
   </p:sldIdLst>
   <p:sldSz cx="12192000" cy="6858000"/>
   <p:notesSz cx="6858000" cy="9144000"/>
@@ -1532,7 +1542,7 @@
           <a:p>
             <a:fld id="{1C8D6449-44BE-4375-B03D-85825BCA7067}" type="datetimeFigureOut">
               <a:rPr lang="en-IN" smtClean="0"/>
-              <a:t>26-04-2024</a:t>
+              <a:t>03-05-2024</a:t>
             </a:fld>
             <a:endParaRPr lang="en-IN"/>
           </a:p>
@@ -2991,7 +3001,7 @@
           <a:p>
             <a:fld id="{1C8D6449-44BE-4375-B03D-85825BCA7067}" type="datetimeFigureOut">
               <a:rPr lang="en-IN" smtClean="0"/>
-              <a:t>26-04-2024</a:t>
+              <a:t>03-05-2024</a:t>
             </a:fld>
             <a:endParaRPr lang="en-IN"/>
           </a:p>
@@ -4444,7 +4454,7 @@
           <a:p>
             <a:fld id="{1C8D6449-44BE-4375-B03D-85825BCA7067}" type="datetimeFigureOut">
               <a:rPr lang="en-IN" smtClean="0"/>
-              <a:t>26-04-2024</a:t>
+              <a:t>03-05-2024</a:t>
             </a:fld>
             <a:endParaRPr lang="en-IN"/>
           </a:p>
@@ -5899,7 +5909,7 @@
           <a:p>
             <a:fld id="{1C8D6449-44BE-4375-B03D-85825BCA7067}" type="datetimeFigureOut">
               <a:rPr lang="en-IN" smtClean="0"/>
-              <a:t>26-04-2024</a:t>
+              <a:t>03-05-2024</a:t>
             </a:fld>
             <a:endParaRPr lang="en-IN"/>
           </a:p>
@@ -7407,7 +7417,7 @@
           <a:p>
             <a:fld id="{1C8D6449-44BE-4375-B03D-85825BCA7067}" type="datetimeFigureOut">
               <a:rPr lang="en-IN" smtClean="0"/>
-              <a:t>26-04-2024</a:t>
+              <a:t>03-05-2024</a:t>
             </a:fld>
             <a:endParaRPr lang="en-IN"/>
           </a:p>
@@ -8928,7 +8938,7 @@
           <a:p>
             <a:fld id="{1C8D6449-44BE-4375-B03D-85825BCA7067}" type="datetimeFigureOut">
               <a:rPr lang="en-IN" smtClean="0"/>
-              <a:t>26-04-2024</a:t>
+              <a:t>03-05-2024</a:t>
             </a:fld>
             <a:endParaRPr lang="en-IN"/>
           </a:p>
@@ -10593,7 +10603,7 @@
           <a:p>
             <a:fld id="{1C8D6449-44BE-4375-B03D-85825BCA7067}" type="datetimeFigureOut">
               <a:rPr lang="en-IN" smtClean="0"/>
-              <a:t>26-04-2024</a:t>
+              <a:t>03-05-2024</a:t>
             </a:fld>
             <a:endParaRPr lang="en-IN"/>
           </a:p>
@@ -11991,7 +12001,7 @@
           <a:p>
             <a:fld id="{1C8D6449-44BE-4375-B03D-85825BCA7067}" type="datetimeFigureOut">
               <a:rPr lang="en-IN" smtClean="0"/>
-              <a:t>26-04-2024</a:t>
+              <a:t>03-05-2024</a:t>
             </a:fld>
             <a:endParaRPr lang="en-IN"/>
           </a:p>
@@ -12091,7 +12101,7 @@
           <a:p>
             <a:fld id="{1C8D6449-44BE-4375-B03D-85825BCA7067}" type="datetimeFigureOut">
               <a:rPr lang="en-IN" smtClean="0"/>
-              <a:t>26-04-2024</a:t>
+              <a:t>03-05-2024</a:t>
             </a:fld>
             <a:endParaRPr lang="en-IN"/>
           </a:p>
@@ -13617,7 +13627,7 @@
           <a:p>
             <a:fld id="{1C8D6449-44BE-4375-B03D-85825BCA7067}" type="datetimeFigureOut">
               <a:rPr lang="en-IN" smtClean="0"/>
-              <a:t>26-04-2024</a:t>
+              <a:t>03-05-2024</a:t>
             </a:fld>
             <a:endParaRPr lang="en-IN"/>
           </a:p>
@@ -15153,7 +15163,7 @@
           <a:p>
             <a:fld id="{1C8D6449-44BE-4375-B03D-85825BCA7067}" type="datetimeFigureOut">
               <a:rPr lang="en-IN" smtClean="0"/>
-              <a:t>26-04-2024</a:t>
+              <a:t>03-05-2024</a:t>
             </a:fld>
             <a:endParaRPr lang="en-IN"/>
           </a:p>
@@ -15376,7 +15386,7 @@
           <a:p>
             <a:fld id="{1C8D6449-44BE-4375-B03D-85825BCA7067}" type="datetimeFigureOut">
               <a:rPr lang="en-IN" smtClean="0"/>
-              <a:t>26-04-2024</a:t>
+              <a:t>03-05-2024</a:t>
             </a:fld>
             <a:endParaRPr lang="en-IN"/>
           </a:p>
@@ -15905,8 +15915,8 @@
         </p:nvSpPr>
         <p:spPr>
           <a:xfrm>
-            <a:off x="3256907" y="1187358"/>
-            <a:ext cx="6236414" cy="707886"/>
+            <a:off x="2825394" y="1187358"/>
+            <a:ext cx="6842590" cy="707886"/>
           </a:xfrm>
           <a:prstGeom prst="rect">
             <a:avLst/>
@@ -15924,7 +15934,8 @@
                 <a:solidFill>
                   <a:schemeClr val="bg1"/>
                 </a:solidFill>
-                <a:latin typeface="+mj-lt"/>
+                <a:latin typeface="Arial" panose="020B0604020202020204" pitchFamily="34" charset="0"/>
+                <a:cs typeface="Arial" panose="020B0604020202020204" pitchFamily="34" charset="0"/>
               </a:rPr>
               <a:t>Oxford Brookes University</a:t>
             </a:r>
@@ -16346,6 +16357,1409 @@
 </p:sld>
 </file>
 
+<file path=ppt/slides/slide13.xml><?xml version="1.0" encoding="utf-8"?>
+<p:sld xmlns:a="http://schemas.openxmlformats.org/drawingml/2006/main" xmlns:r="http://schemas.openxmlformats.org/officeDocument/2006/relationships" xmlns:p="http://schemas.openxmlformats.org/presentationml/2006/main">
+  <p:cSld>
+    <p:spTree>
+      <p:nvGrpSpPr>
+        <p:cNvPr id="1" name=""/>
+        <p:cNvGrpSpPr/>
+        <p:nvPr/>
+      </p:nvGrpSpPr>
+      <p:grpSpPr>
+        <a:xfrm>
+          <a:off x="0" y="0"/>
+          <a:ext cx="0" cy="0"/>
+          <a:chOff x="0" y="0"/>
+          <a:chExt cx="0" cy="0"/>
+        </a:xfrm>
+      </p:grpSpPr>
+      <p:sp>
+        <p:nvSpPr>
+          <p:cNvPr id="2" name="Title 1">
+            <a:extLst>
+              <a:ext uri="{FF2B5EF4-FFF2-40B4-BE49-F238E27FC236}">
+                <a16:creationId xmlns:a16="http://schemas.microsoft.com/office/drawing/2014/main" id="{6867071E-EFDC-A171-7A0C-87EBFB3DD801}"/>
+              </a:ext>
+            </a:extLst>
+          </p:cNvPr>
+          <p:cNvSpPr>
+            <a:spLocks noGrp="1"/>
+          </p:cNvSpPr>
+          <p:nvPr>
+            <p:ph type="title"/>
+          </p:nvPr>
+        </p:nvSpPr>
+        <p:spPr/>
+        <p:txBody>
+          <a:bodyPr/>
+          <a:lstStyle/>
+          <a:p>
+            <a:endParaRPr lang="en-IN"/>
+          </a:p>
+        </p:txBody>
+      </p:sp>
+      <p:sp>
+        <p:nvSpPr>
+          <p:cNvPr id="3" name="Content Placeholder 2">
+            <a:extLst>
+              <a:ext uri="{FF2B5EF4-FFF2-40B4-BE49-F238E27FC236}">
+                <a16:creationId xmlns:a16="http://schemas.microsoft.com/office/drawing/2014/main" id="{BD9C2EE7-06E8-9ADA-CAB6-B47CFB7FEE28}"/>
+              </a:ext>
+            </a:extLst>
+          </p:cNvPr>
+          <p:cNvSpPr>
+            <a:spLocks noGrp="1"/>
+          </p:cNvSpPr>
+          <p:nvPr>
+            <p:ph idx="1"/>
+          </p:nvPr>
+        </p:nvSpPr>
+        <p:spPr/>
+        <p:txBody>
+          <a:bodyPr/>
+          <a:lstStyle/>
+          <a:p>
+            <a:endParaRPr lang="en-IN"/>
+          </a:p>
+        </p:txBody>
+      </p:sp>
+    </p:spTree>
+    <p:extLst>
+      <p:ext uri="{BB962C8B-B14F-4D97-AF65-F5344CB8AC3E}">
+        <p14:creationId xmlns:p14="http://schemas.microsoft.com/office/powerpoint/2010/main" val="3753840258"/>
+      </p:ext>
+    </p:extLst>
+  </p:cSld>
+  <p:clrMapOvr>
+    <a:masterClrMapping/>
+  </p:clrMapOvr>
+</p:sld>
+</file>
+
+<file path=ppt/slides/slide14.xml><?xml version="1.0" encoding="utf-8"?>
+<p:sld xmlns:a="http://schemas.openxmlformats.org/drawingml/2006/main" xmlns:r="http://schemas.openxmlformats.org/officeDocument/2006/relationships" xmlns:p="http://schemas.openxmlformats.org/presentationml/2006/main">
+  <p:cSld>
+    <p:spTree>
+      <p:nvGrpSpPr>
+        <p:cNvPr id="1" name=""/>
+        <p:cNvGrpSpPr/>
+        <p:nvPr/>
+      </p:nvGrpSpPr>
+      <p:grpSpPr>
+        <a:xfrm>
+          <a:off x="0" y="0"/>
+          <a:ext cx="0" cy="0"/>
+          <a:chOff x="0" y="0"/>
+          <a:chExt cx="0" cy="0"/>
+        </a:xfrm>
+      </p:grpSpPr>
+      <p:sp>
+        <p:nvSpPr>
+          <p:cNvPr id="2" name="Title 1">
+            <a:extLst>
+              <a:ext uri="{FF2B5EF4-FFF2-40B4-BE49-F238E27FC236}">
+                <a16:creationId xmlns:a16="http://schemas.microsoft.com/office/drawing/2014/main" id="{8C845079-CFF3-49B7-9DA0-7BC22984E338}"/>
+              </a:ext>
+            </a:extLst>
+          </p:cNvPr>
+          <p:cNvSpPr>
+            <a:spLocks noGrp="1"/>
+          </p:cNvSpPr>
+          <p:nvPr>
+            <p:ph type="ctrTitle"/>
+          </p:nvPr>
+        </p:nvSpPr>
+        <p:spPr>
+          <a:xfrm>
+            <a:off x="1759237" y="1212352"/>
+            <a:ext cx="8679915" cy="567327"/>
+          </a:xfrm>
+        </p:spPr>
+        <p:txBody>
+          <a:bodyPr>
+            <a:normAutofit fontScale="90000"/>
+          </a:bodyPr>
+          <a:lstStyle/>
+          <a:p>
+            <a:r>
+              <a:rPr lang="en-US" sz="3200" dirty="0">
+                <a:latin typeface="Arial" panose="020B0604020202020204" pitchFamily="34" charset="0"/>
+                <a:cs typeface="Arial" panose="020B0604020202020204" pitchFamily="34" charset="0"/>
+              </a:rPr>
+              <a:t>Context: the architecture design of your subsystem</a:t>
+            </a:r>
+            <a:endParaRPr lang="en-IN" sz="3200" dirty="0">
+              <a:latin typeface="Arial" panose="020B0604020202020204" pitchFamily="34" charset="0"/>
+              <a:cs typeface="Arial" panose="020B0604020202020204" pitchFamily="34" charset="0"/>
+            </a:endParaRPr>
+          </a:p>
+        </p:txBody>
+      </p:sp>
+      <p:sp>
+        <p:nvSpPr>
+          <p:cNvPr id="3" name="Subtitle 2">
+            <a:extLst>
+              <a:ext uri="{FF2B5EF4-FFF2-40B4-BE49-F238E27FC236}">
+                <a16:creationId xmlns:a16="http://schemas.microsoft.com/office/drawing/2014/main" id="{00100A6C-2330-6112-BE8E-82DE65B41B5E}"/>
+              </a:ext>
+            </a:extLst>
+          </p:cNvPr>
+          <p:cNvSpPr>
+            <a:spLocks noGrp="1"/>
+          </p:cNvSpPr>
+          <p:nvPr>
+            <p:ph type="subTitle" idx="1"/>
+          </p:nvPr>
+        </p:nvSpPr>
+        <p:spPr>
+          <a:xfrm>
+            <a:off x="1765725" y="2128839"/>
+            <a:ext cx="8673427" cy="3028788"/>
+          </a:xfrm>
+        </p:spPr>
+        <p:txBody>
+          <a:bodyPr>
+            <a:normAutofit/>
+          </a:bodyPr>
+          <a:lstStyle/>
+          <a:p>
+            <a:pPr marL="342900" indent="-342900" algn="l">
+              <a:buFont typeface="Wingdings" panose="05000000000000000000" pitchFamily="2" charset="2"/>
+              <a:buChar char="§"/>
+            </a:pPr>
+            <a:r>
+              <a:rPr lang="en-US" dirty="0">
+                <a:latin typeface="Arial" panose="020B0604020202020204" pitchFamily="34" charset="0"/>
+                <a:cs typeface="Arial" panose="020B0604020202020204" pitchFamily="34" charset="0"/>
+              </a:rPr>
+              <a:t>Explain the modifications from CW1 </a:t>
+            </a:r>
+          </a:p>
+          <a:p>
+            <a:pPr marL="342900" indent="-342900" algn="l">
+              <a:buFont typeface="Wingdings" panose="05000000000000000000" pitchFamily="2" charset="2"/>
+              <a:buChar char="§"/>
+            </a:pPr>
+            <a:r>
+              <a:rPr lang="en-US" dirty="0">
+                <a:latin typeface="Arial" panose="020B0604020202020204" pitchFamily="34" charset="0"/>
+                <a:cs typeface="Arial" panose="020B0604020202020204" pitchFamily="34" charset="0"/>
+              </a:rPr>
+              <a:t>Highlight the microservices that you implement </a:t>
+            </a:r>
+          </a:p>
+          <a:p>
+            <a:pPr marL="342900" indent="-342900" algn="l">
+              <a:buFont typeface="Wingdings" panose="05000000000000000000" pitchFamily="2" charset="2"/>
+              <a:buChar char="§"/>
+            </a:pPr>
+            <a:r>
+              <a:rPr lang="en-US" dirty="0">
+                <a:latin typeface="Arial" panose="020B0604020202020204" pitchFamily="34" charset="0"/>
+                <a:cs typeface="Arial" panose="020B0604020202020204" pitchFamily="34" charset="0"/>
+              </a:rPr>
+              <a:t>Present the connection with other subsystems:</a:t>
+            </a:r>
+          </a:p>
+          <a:p>
+            <a:pPr marL="800100" lvl="1" indent="-342900" algn="l">
+              <a:buFont typeface="Wingdings" panose="05000000000000000000" pitchFamily="2" charset="2"/>
+              <a:buChar char="§"/>
+            </a:pPr>
+            <a:endParaRPr lang="en-IN" dirty="0">
+              <a:latin typeface="Arial" panose="020B0604020202020204" pitchFamily="34" charset="0"/>
+              <a:cs typeface="Arial" panose="020B0604020202020204" pitchFamily="34" charset="0"/>
+            </a:endParaRPr>
+          </a:p>
+        </p:txBody>
+      </p:sp>
+    </p:spTree>
+    <p:extLst>
+      <p:ext uri="{BB962C8B-B14F-4D97-AF65-F5344CB8AC3E}">
+        <p14:creationId xmlns:p14="http://schemas.microsoft.com/office/powerpoint/2010/main" val="3852126328"/>
+      </p:ext>
+    </p:extLst>
+  </p:cSld>
+  <p:clrMapOvr>
+    <a:masterClrMapping/>
+  </p:clrMapOvr>
+</p:sld>
+</file>
+
+<file path=ppt/slides/slide15.xml><?xml version="1.0" encoding="utf-8"?>
+<p:sld xmlns:a="http://schemas.openxmlformats.org/drawingml/2006/main" xmlns:r="http://schemas.openxmlformats.org/officeDocument/2006/relationships" xmlns:p="http://schemas.openxmlformats.org/presentationml/2006/main">
+  <p:cSld>
+    <p:spTree>
+      <p:nvGrpSpPr>
+        <p:cNvPr id="1" name=""/>
+        <p:cNvGrpSpPr/>
+        <p:nvPr/>
+      </p:nvGrpSpPr>
+      <p:grpSpPr>
+        <a:xfrm>
+          <a:off x="0" y="0"/>
+          <a:ext cx="0" cy="0"/>
+          <a:chOff x="0" y="0"/>
+          <a:chExt cx="0" cy="0"/>
+        </a:xfrm>
+      </p:grpSpPr>
+      <p:sp>
+        <p:nvSpPr>
+          <p:cNvPr id="4" name="TextBox 3">
+            <a:extLst>
+              <a:ext uri="{FF2B5EF4-FFF2-40B4-BE49-F238E27FC236}">
+                <a16:creationId xmlns:a16="http://schemas.microsoft.com/office/drawing/2014/main" id="{47835677-30C9-DA7B-CE10-950726AEB3C3}"/>
+              </a:ext>
+            </a:extLst>
+          </p:cNvPr>
+          <p:cNvSpPr txBox="1"/>
+          <p:nvPr/>
+        </p:nvSpPr>
+        <p:spPr>
+          <a:xfrm>
+            <a:off x="490589" y="349589"/>
+            <a:ext cx="10605499" cy="461665"/>
+          </a:xfrm>
+          <a:prstGeom prst="rect">
+            <a:avLst/>
+          </a:prstGeom>
+          <a:noFill/>
+        </p:spPr>
+        <p:txBody>
+          <a:bodyPr wrap="square">
+            <a:spAutoFit/>
+          </a:bodyPr>
+          <a:lstStyle/>
+          <a:p>
+            <a:pPr algn="ctr"/>
+            <a:r>
+              <a:rPr lang="en-US" sz="2400" dirty="0">
+                <a:latin typeface="Arial" panose="020B0604020202020204" pitchFamily="34" charset="0"/>
+                <a:cs typeface="Arial" panose="020B0604020202020204" pitchFamily="34" charset="0"/>
+              </a:rPr>
+              <a:t>Context: the architecture design of your subsystem</a:t>
+            </a:r>
+            <a:endParaRPr lang="en-IN" sz="2400" dirty="0"/>
+          </a:p>
+        </p:txBody>
+      </p:sp>
+      <p:sp>
+        <p:nvSpPr>
+          <p:cNvPr id="6" name="TextBox 5">
+            <a:extLst>
+              <a:ext uri="{FF2B5EF4-FFF2-40B4-BE49-F238E27FC236}">
+                <a16:creationId xmlns:a16="http://schemas.microsoft.com/office/drawing/2014/main" id="{C971A66B-30C2-00C1-AAD9-07081A9BD7ED}"/>
+              </a:ext>
+            </a:extLst>
+          </p:cNvPr>
+          <p:cNvSpPr txBox="1"/>
+          <p:nvPr/>
+        </p:nvSpPr>
+        <p:spPr>
+          <a:xfrm>
+            <a:off x="377574" y="1115620"/>
+            <a:ext cx="6187613" cy="5632311"/>
+          </a:xfrm>
+          <a:prstGeom prst="rect">
+            <a:avLst/>
+          </a:prstGeom>
+          <a:noFill/>
+        </p:spPr>
+        <p:txBody>
+          <a:bodyPr wrap="square">
+            <a:spAutoFit/>
+          </a:bodyPr>
+          <a:lstStyle/>
+          <a:p>
+            <a:pPr marL="342900" indent="-342900" algn="l">
+              <a:buFont typeface="Wingdings" panose="05000000000000000000" pitchFamily="2" charset="2"/>
+              <a:buChar char="§"/>
+            </a:pPr>
+            <a:r>
+              <a:rPr lang="en-US" dirty="0">
+                <a:latin typeface="Arial" panose="020B0604020202020204" pitchFamily="34" charset="0"/>
+                <a:cs typeface="Arial" panose="020B0604020202020204" pitchFamily="34" charset="0"/>
+              </a:rPr>
+              <a:t>Explain the modifications from CW1 </a:t>
+            </a:r>
+          </a:p>
+          <a:p>
+            <a:pPr marL="342900" indent="-342900" algn="l">
+              <a:buFont typeface="Wingdings" panose="05000000000000000000" pitchFamily="2" charset="2"/>
+              <a:buChar char="§"/>
+            </a:pPr>
+            <a:r>
+              <a:rPr lang="en-US" dirty="0">
+                <a:latin typeface="Arial" panose="020B0604020202020204" pitchFamily="34" charset="0"/>
+                <a:cs typeface="Arial" panose="020B0604020202020204" pitchFamily="34" charset="0"/>
+              </a:rPr>
+              <a:t>Highlight the microservices that you implement </a:t>
+            </a:r>
+          </a:p>
+          <a:p>
+            <a:pPr marL="342900" indent="-342900" algn="l">
+              <a:buFont typeface="Wingdings" panose="05000000000000000000" pitchFamily="2" charset="2"/>
+              <a:buChar char="§"/>
+            </a:pPr>
+            <a:r>
+              <a:rPr lang="en-US" dirty="0">
+                <a:latin typeface="Arial" panose="020B0604020202020204" pitchFamily="34" charset="0"/>
+                <a:cs typeface="Arial" panose="020B0604020202020204" pitchFamily="34" charset="0"/>
+              </a:rPr>
+              <a:t>Present the connection with other subsystems:</a:t>
+            </a:r>
+          </a:p>
+          <a:p>
+            <a:pPr marL="800100" lvl="1" indent="-342900">
+              <a:buFont typeface="Wingdings" panose="05000000000000000000" pitchFamily="2" charset="2"/>
+              <a:buChar char="§"/>
+            </a:pPr>
+            <a:r>
+              <a:rPr lang="en-US" dirty="0">
+                <a:latin typeface="Arial" panose="020B0604020202020204" pitchFamily="34" charset="0"/>
+                <a:cs typeface="Arial" panose="020B0604020202020204" pitchFamily="34" charset="0"/>
+              </a:rPr>
+              <a:t>We are saving our data in MongoDB subsystem, following steps we followed to make connection with our FastAPI microservices:</a:t>
+            </a:r>
+          </a:p>
+          <a:p>
+            <a:pPr marL="1257300" lvl="2" indent="-342900">
+              <a:buFont typeface="+mj-lt"/>
+              <a:buAutoNum type="arabicPeriod"/>
+            </a:pPr>
+            <a:r>
+              <a:rPr lang="en-US" dirty="0">
+                <a:latin typeface="Arial" panose="020B0604020202020204" pitchFamily="34" charset="0"/>
+                <a:cs typeface="Arial" panose="020B0604020202020204" pitchFamily="34" charset="0"/>
+              </a:rPr>
+              <a:t>Created account on online MongoDB Atlas system at https://cloud.mongodb.com/</a:t>
+            </a:r>
+          </a:p>
+          <a:p>
+            <a:pPr marL="1257300" lvl="2" indent="-342900">
+              <a:buFont typeface="+mj-lt"/>
+              <a:buAutoNum type="arabicPeriod"/>
+            </a:pPr>
+            <a:r>
+              <a:rPr lang="en-US" dirty="0">
+                <a:latin typeface="Arial" panose="020B0604020202020204" pitchFamily="34" charset="0"/>
+                <a:cs typeface="Arial" panose="020B0604020202020204" pitchFamily="34" charset="0"/>
+              </a:rPr>
+              <a:t>Created Cluster named “Cluster-SK1” and then created database named “</a:t>
+            </a:r>
+            <a:r>
+              <a:rPr lang="en-US" dirty="0" err="1">
+                <a:latin typeface="Arial" panose="020B0604020202020204" pitchFamily="34" charset="0"/>
+                <a:cs typeface="Arial" panose="020B0604020202020204" pitchFamily="34" charset="0"/>
+              </a:rPr>
+              <a:t>teacher_db</a:t>
+            </a:r>
+            <a:r>
+              <a:rPr lang="en-US" dirty="0">
+                <a:latin typeface="Arial" panose="020B0604020202020204" pitchFamily="34" charset="0"/>
+                <a:cs typeface="Arial" panose="020B0604020202020204" pitchFamily="34" charset="0"/>
+              </a:rPr>
+              <a:t>” under created cluster.</a:t>
+            </a:r>
+          </a:p>
+          <a:p>
+            <a:pPr marL="1257300" lvl="2" indent="-342900">
+              <a:buFont typeface="+mj-lt"/>
+              <a:buAutoNum type="arabicPeriod"/>
+            </a:pPr>
+            <a:r>
+              <a:rPr lang="en-US" dirty="0">
+                <a:latin typeface="Arial" panose="020B0604020202020204" pitchFamily="34" charset="0"/>
+                <a:cs typeface="Arial" panose="020B0604020202020204" pitchFamily="34" charset="0"/>
+              </a:rPr>
+              <a:t>Created database user using username and password.</a:t>
+            </a:r>
+          </a:p>
+          <a:p>
+            <a:pPr marL="1257300" lvl="2" indent="-342900">
+              <a:buFont typeface="+mj-lt"/>
+              <a:buAutoNum type="arabicPeriod"/>
+            </a:pPr>
+            <a:r>
+              <a:rPr lang="en-US" dirty="0">
+                <a:latin typeface="Arial" panose="020B0604020202020204" pitchFamily="34" charset="0"/>
+                <a:cs typeface="Arial" panose="020B0604020202020204" pitchFamily="34" charset="0"/>
+              </a:rPr>
+              <a:t>Copied connection string from “Cluster-SK1” drivers after selecting driver type as Python.</a:t>
+            </a:r>
+          </a:p>
+          <a:p>
+            <a:pPr marL="1257300" lvl="2" indent="-342900">
+              <a:buFont typeface="+mj-lt"/>
+              <a:buAutoNum type="arabicPeriod"/>
+            </a:pPr>
+            <a:r>
+              <a:rPr lang="en-US" dirty="0">
+                <a:latin typeface="Arial" panose="020B0604020202020204" pitchFamily="34" charset="0"/>
+                <a:cs typeface="Arial" panose="020B0604020202020204" pitchFamily="34" charset="0"/>
+              </a:rPr>
+              <a:t>Replaced username and password from connection string to access database and used this connection string in FastAPI code to access database in microservices.</a:t>
+            </a:r>
+          </a:p>
+          <a:p>
+            <a:pPr marL="800100" lvl="1" indent="-342900" algn="l">
+              <a:buFont typeface="Wingdings" panose="05000000000000000000" pitchFamily="2" charset="2"/>
+              <a:buChar char="§"/>
+            </a:pPr>
+            <a:endParaRPr lang="en-IN" dirty="0">
+              <a:latin typeface="Arial" panose="020B0604020202020204" pitchFamily="34" charset="0"/>
+              <a:cs typeface="Arial" panose="020B0604020202020204" pitchFamily="34" charset="0"/>
+            </a:endParaRPr>
+          </a:p>
+        </p:txBody>
+      </p:sp>
+      <p:pic>
+        <p:nvPicPr>
+          <p:cNvPr id="10" name="Picture 9">
+            <a:extLst>
+              <a:ext uri="{FF2B5EF4-FFF2-40B4-BE49-F238E27FC236}">
+                <a16:creationId xmlns:a16="http://schemas.microsoft.com/office/drawing/2014/main" id="{88929710-AE68-D732-28E0-053F0632C405}"/>
+              </a:ext>
+            </a:extLst>
+          </p:cNvPr>
+          <p:cNvPicPr>
+            <a:picLocks noChangeAspect="1"/>
+          </p:cNvPicPr>
+          <p:nvPr/>
+        </p:nvPicPr>
+        <p:blipFill>
+          <a:blip r:embed="rId2">
+            <a:extLst>
+              <a:ext uri="{28A0092B-C50C-407E-A947-70E740481C1C}">
+                <a14:useLocalDpi xmlns:a14="http://schemas.microsoft.com/office/drawing/2010/main" val="0"/>
+              </a:ext>
+            </a:extLst>
+          </a:blip>
+          <a:stretch>
+            <a:fillRect/>
+          </a:stretch>
+        </p:blipFill>
+        <p:spPr>
+          <a:xfrm>
+            <a:off x="6498000" y="1993188"/>
+            <a:ext cx="5548676" cy="3320436"/>
+          </a:xfrm>
+          <a:prstGeom prst="rect">
+            <a:avLst/>
+          </a:prstGeom>
+        </p:spPr>
+      </p:pic>
+    </p:spTree>
+    <p:extLst>
+      <p:ext uri="{BB962C8B-B14F-4D97-AF65-F5344CB8AC3E}">
+        <p14:creationId xmlns:p14="http://schemas.microsoft.com/office/powerpoint/2010/main" val="852222060"/>
+      </p:ext>
+    </p:extLst>
+  </p:cSld>
+  <p:clrMapOvr>
+    <a:masterClrMapping/>
+  </p:clrMapOvr>
+</p:sld>
+</file>
+
+<file path=ppt/slides/slide16.xml><?xml version="1.0" encoding="utf-8"?>
+<p:sld xmlns:a="http://schemas.openxmlformats.org/drawingml/2006/main" xmlns:r="http://schemas.openxmlformats.org/officeDocument/2006/relationships" xmlns:p="http://schemas.openxmlformats.org/presentationml/2006/main">
+  <p:cSld>
+    <p:spTree>
+      <p:nvGrpSpPr>
+        <p:cNvPr id="1" name=""/>
+        <p:cNvGrpSpPr/>
+        <p:nvPr/>
+      </p:nvGrpSpPr>
+      <p:grpSpPr>
+        <a:xfrm>
+          <a:off x="0" y="0"/>
+          <a:ext cx="0" cy="0"/>
+          <a:chOff x="0" y="0"/>
+          <a:chExt cx="0" cy="0"/>
+        </a:xfrm>
+      </p:grpSpPr>
+      <p:sp>
+        <p:nvSpPr>
+          <p:cNvPr id="2" name="TextBox 1">
+            <a:extLst>
+              <a:ext uri="{FF2B5EF4-FFF2-40B4-BE49-F238E27FC236}">
+                <a16:creationId xmlns:a16="http://schemas.microsoft.com/office/drawing/2014/main" id="{00FBB234-96AE-2FFE-00FA-D16DF1B02F6E}"/>
+              </a:ext>
+            </a:extLst>
+          </p:cNvPr>
+          <p:cNvSpPr txBox="1"/>
+          <p:nvPr/>
+        </p:nvSpPr>
+        <p:spPr>
+          <a:xfrm>
+            <a:off x="821933" y="657550"/>
+            <a:ext cx="10027578" cy="461665"/>
+          </a:xfrm>
+          <a:prstGeom prst="rect">
+            <a:avLst/>
+          </a:prstGeom>
+          <a:noFill/>
+        </p:spPr>
+        <p:txBody>
+          <a:bodyPr wrap="square" rtlCol="0">
+            <a:spAutoFit/>
+          </a:bodyPr>
+          <a:lstStyle/>
+          <a:p>
+            <a:pPr algn="ctr"/>
+            <a:r>
+              <a:rPr lang="en-IN" sz="2400" dirty="0">
+                <a:latin typeface="Arial" panose="020B0604020202020204" pitchFamily="34" charset="0"/>
+                <a:cs typeface="Arial" panose="020B0604020202020204" pitchFamily="34" charset="0"/>
+              </a:rPr>
+              <a:t>GUI and API design</a:t>
+            </a:r>
+          </a:p>
+        </p:txBody>
+      </p:sp>
+      <p:sp>
+        <p:nvSpPr>
+          <p:cNvPr id="3" name="TextBox 2">
+            <a:extLst>
+              <a:ext uri="{FF2B5EF4-FFF2-40B4-BE49-F238E27FC236}">
+                <a16:creationId xmlns:a16="http://schemas.microsoft.com/office/drawing/2014/main" id="{A2BBA7E8-F9BC-F6F7-E64F-5CF7ED6E5CBC}"/>
+              </a:ext>
+            </a:extLst>
+          </p:cNvPr>
+          <p:cNvSpPr txBox="1"/>
+          <p:nvPr/>
+        </p:nvSpPr>
+        <p:spPr>
+          <a:xfrm>
+            <a:off x="924674" y="1268699"/>
+            <a:ext cx="5505674" cy="369332"/>
+          </a:xfrm>
+          <a:prstGeom prst="rect">
+            <a:avLst/>
+          </a:prstGeom>
+          <a:noFill/>
+        </p:spPr>
+        <p:txBody>
+          <a:bodyPr wrap="none" rtlCol="0">
+            <a:spAutoFit/>
+          </a:bodyPr>
+          <a:lstStyle/>
+          <a:p>
+            <a:pPr marL="285750" indent="-285750">
+              <a:buFont typeface="Arial" panose="020B0604020202020204" pitchFamily="34" charset="0"/>
+              <a:buChar char="•"/>
+            </a:pPr>
+            <a:r>
+              <a:rPr lang="en-US" dirty="0"/>
+              <a:t>List the APIs of the implemented microservices </a:t>
+            </a:r>
+          </a:p>
+        </p:txBody>
+      </p:sp>
+      <p:pic>
+        <p:nvPicPr>
+          <p:cNvPr id="7" name="Picture 6">
+            <a:extLst>
+              <a:ext uri="{FF2B5EF4-FFF2-40B4-BE49-F238E27FC236}">
+                <a16:creationId xmlns:a16="http://schemas.microsoft.com/office/drawing/2014/main" id="{AF59D125-E2F9-AB00-535B-1B48BC7CA7C6}"/>
+              </a:ext>
+            </a:extLst>
+          </p:cNvPr>
+          <p:cNvPicPr>
+            <a:picLocks noChangeAspect="1"/>
+          </p:cNvPicPr>
+          <p:nvPr/>
+        </p:nvPicPr>
+        <p:blipFill>
+          <a:blip r:embed="rId2">
+            <a:extLst>
+              <a:ext uri="{28A0092B-C50C-407E-A947-70E740481C1C}">
+                <a14:useLocalDpi xmlns:a14="http://schemas.microsoft.com/office/drawing/2010/main" val="0"/>
+              </a:ext>
+            </a:extLst>
+          </a:blip>
+          <a:stretch>
+            <a:fillRect/>
+          </a:stretch>
+        </p:blipFill>
+        <p:spPr>
+          <a:xfrm>
+            <a:off x="1297933" y="1787515"/>
+            <a:ext cx="8164073" cy="4767397"/>
+          </a:xfrm>
+          <a:prstGeom prst="rect">
+            <a:avLst/>
+          </a:prstGeom>
+        </p:spPr>
+      </p:pic>
+    </p:spTree>
+    <p:extLst>
+      <p:ext uri="{BB962C8B-B14F-4D97-AF65-F5344CB8AC3E}">
+        <p14:creationId xmlns:p14="http://schemas.microsoft.com/office/powerpoint/2010/main" val="1528502433"/>
+      </p:ext>
+    </p:extLst>
+  </p:cSld>
+  <p:clrMapOvr>
+    <a:masterClrMapping/>
+  </p:clrMapOvr>
+</p:sld>
+</file>
+
+<file path=ppt/slides/slide17.xml><?xml version="1.0" encoding="utf-8"?>
+<p:sld xmlns:a="http://schemas.openxmlformats.org/drawingml/2006/main" xmlns:r="http://schemas.openxmlformats.org/officeDocument/2006/relationships" xmlns:p="http://schemas.openxmlformats.org/presentationml/2006/main">
+  <p:cSld>
+    <p:spTree>
+      <p:nvGrpSpPr>
+        <p:cNvPr id="1" name=""/>
+        <p:cNvGrpSpPr/>
+        <p:nvPr/>
+      </p:nvGrpSpPr>
+      <p:grpSpPr>
+        <a:xfrm>
+          <a:off x="0" y="0"/>
+          <a:ext cx="0" cy="0"/>
+          <a:chOff x="0" y="0"/>
+          <a:chExt cx="0" cy="0"/>
+        </a:xfrm>
+      </p:grpSpPr>
+      <p:sp>
+        <p:nvSpPr>
+          <p:cNvPr id="3" name="TextBox 2">
+            <a:extLst>
+              <a:ext uri="{FF2B5EF4-FFF2-40B4-BE49-F238E27FC236}">
+                <a16:creationId xmlns:a16="http://schemas.microsoft.com/office/drawing/2014/main" id="{626FCF8F-F6C8-730B-C501-75E5461E7290}"/>
+              </a:ext>
+            </a:extLst>
+          </p:cNvPr>
+          <p:cNvSpPr txBox="1"/>
+          <p:nvPr/>
+        </p:nvSpPr>
+        <p:spPr>
+          <a:xfrm>
+            <a:off x="832207" y="780836"/>
+            <a:ext cx="11116638" cy="3416320"/>
+          </a:xfrm>
+          <a:prstGeom prst="rect">
+            <a:avLst/>
+          </a:prstGeom>
+          <a:noFill/>
+        </p:spPr>
+        <p:txBody>
+          <a:bodyPr wrap="square" rtlCol="0">
+            <a:spAutoFit/>
+          </a:bodyPr>
+          <a:lstStyle/>
+          <a:p>
+            <a:pPr marL="285750" indent="-285750">
+              <a:buFont typeface="Arial" panose="020B0604020202020204" pitchFamily="34" charset="0"/>
+              <a:buChar char="•"/>
+            </a:pPr>
+            <a:r>
+              <a:rPr lang="en-US" dirty="0"/>
+              <a:t>Explain with one or two examples of APIs to show how the API design addresses quality requirements</a:t>
+            </a:r>
+          </a:p>
+          <a:p>
+            <a:pPr marL="742950" lvl="1" indent="-285750">
+              <a:buFont typeface="Arial" panose="020B0604020202020204" pitchFamily="34" charset="0"/>
+              <a:buChar char="•"/>
+            </a:pPr>
+            <a:r>
+              <a:rPr lang="en-US" dirty="0"/>
+              <a:t>Input/ output format: </a:t>
+            </a:r>
+          </a:p>
+          <a:p>
+            <a:pPr marL="1200150" lvl="2" indent="-285750">
+              <a:buFont typeface="Arial" panose="020B0604020202020204" pitchFamily="34" charset="0"/>
+              <a:buChar char="•"/>
+            </a:pPr>
+            <a:r>
+              <a:rPr lang="en-US" dirty="0"/>
+              <a:t>Proper JSON response format for easy access response data</a:t>
+            </a:r>
+          </a:p>
+          <a:p>
+            <a:pPr marL="1200150" lvl="2" indent="-285750">
+              <a:buFont typeface="Arial" panose="020B0604020202020204" pitchFamily="34" charset="0"/>
+              <a:buChar char="•"/>
+            </a:pPr>
+            <a:r>
+              <a:rPr lang="en-US" dirty="0"/>
+              <a:t>Response code to easily get to know API response success/ failure such as response code 200 means API success.</a:t>
+            </a:r>
+          </a:p>
+          <a:p>
+            <a:pPr marL="1200150" lvl="2" indent="-285750">
+              <a:buFont typeface="Arial" panose="020B0604020202020204" pitchFamily="34" charset="0"/>
+              <a:buChar char="•"/>
+            </a:pPr>
+            <a:r>
+              <a:rPr lang="en-US" dirty="0"/>
+              <a:t>Unique ID’s code pattern used saving unique teachers or students data, so that no error will arise during data saving or accessing.</a:t>
+            </a:r>
+          </a:p>
+          <a:p>
+            <a:pPr marL="1200150" lvl="2" indent="-285750">
+              <a:buFont typeface="Arial" panose="020B0604020202020204" pitchFamily="34" charset="0"/>
+              <a:buChar char="•"/>
+            </a:pPr>
+            <a:r>
+              <a:rPr lang="en-US" dirty="0"/>
+              <a:t>API naming convention used in that way to easily understood by Front-end developer to get to know its purpose and work </a:t>
+            </a:r>
+            <a:r>
+              <a:rPr lang="en-US" dirty="0" err="1"/>
+              <a:t>i.e</a:t>
+            </a:r>
+            <a:r>
+              <a:rPr lang="en-US" dirty="0"/>
+              <a:t> easy to implement.</a:t>
+            </a:r>
+          </a:p>
+          <a:p>
+            <a:pPr marL="285750" indent="-285750">
+              <a:buFont typeface="Arial" panose="020B0604020202020204" pitchFamily="34" charset="0"/>
+              <a:buChar char="•"/>
+            </a:pPr>
+            <a:r>
+              <a:rPr lang="en-US" dirty="0"/>
+              <a:t>Show one or two main GUI designs and explain how GUI design connects to APIs</a:t>
+            </a:r>
+          </a:p>
+          <a:p>
+            <a:pPr marL="742950" lvl="1" indent="-285750">
+              <a:buFont typeface="Arial" panose="020B0604020202020204" pitchFamily="34" charset="0"/>
+              <a:buChar char="•"/>
+            </a:pPr>
+            <a:r>
+              <a:rPr lang="en-IN" dirty="0"/>
+              <a:t>API URL</a:t>
+            </a:r>
+          </a:p>
+          <a:p>
+            <a:endParaRPr lang="en-IN" dirty="0"/>
+          </a:p>
+        </p:txBody>
+      </p:sp>
+    </p:spTree>
+    <p:extLst>
+      <p:ext uri="{BB962C8B-B14F-4D97-AF65-F5344CB8AC3E}">
+        <p14:creationId xmlns:p14="http://schemas.microsoft.com/office/powerpoint/2010/main" val="1063149252"/>
+      </p:ext>
+    </p:extLst>
+  </p:cSld>
+  <p:clrMapOvr>
+    <a:masterClrMapping/>
+  </p:clrMapOvr>
+</p:sld>
+</file>
+
+<file path=ppt/slides/slide18.xml><?xml version="1.0" encoding="utf-8"?>
+<p:sld xmlns:a="http://schemas.openxmlformats.org/drawingml/2006/main" xmlns:r="http://schemas.openxmlformats.org/officeDocument/2006/relationships" xmlns:p="http://schemas.openxmlformats.org/presentationml/2006/main">
+  <p:cSld>
+    <p:spTree>
+      <p:nvGrpSpPr>
+        <p:cNvPr id="1" name=""/>
+        <p:cNvGrpSpPr/>
+        <p:nvPr/>
+      </p:nvGrpSpPr>
+      <p:grpSpPr>
+        <a:xfrm>
+          <a:off x="0" y="0"/>
+          <a:ext cx="0" cy="0"/>
+          <a:chOff x="0" y="0"/>
+          <a:chExt cx="0" cy="0"/>
+        </a:xfrm>
+      </p:grpSpPr>
+      <p:sp>
+        <p:nvSpPr>
+          <p:cNvPr id="2" name="TextBox 1">
+            <a:extLst>
+              <a:ext uri="{FF2B5EF4-FFF2-40B4-BE49-F238E27FC236}">
+                <a16:creationId xmlns:a16="http://schemas.microsoft.com/office/drawing/2014/main" id="{B6F8C516-7839-B269-BDDE-2518A7CBE040}"/>
+              </a:ext>
+            </a:extLst>
+          </p:cNvPr>
+          <p:cNvSpPr txBox="1"/>
+          <p:nvPr/>
+        </p:nvSpPr>
+        <p:spPr>
+          <a:xfrm>
+            <a:off x="1058238" y="339048"/>
+            <a:ext cx="10263883" cy="461665"/>
+          </a:xfrm>
+          <a:prstGeom prst="rect">
+            <a:avLst/>
+          </a:prstGeom>
+          <a:noFill/>
+        </p:spPr>
+        <p:txBody>
+          <a:bodyPr wrap="square" rtlCol="0">
+            <a:spAutoFit/>
+          </a:bodyPr>
+          <a:lstStyle/>
+          <a:p>
+            <a:pPr algn="ctr"/>
+            <a:r>
+              <a:rPr lang="en-IN" sz="2400" dirty="0">
+                <a:latin typeface="Arial" panose="020B0604020202020204" pitchFamily="34" charset="0"/>
+                <a:cs typeface="Arial" panose="020B0604020202020204" pitchFamily="34" charset="0"/>
+              </a:rPr>
+              <a:t>Implementation</a:t>
+            </a:r>
+          </a:p>
+        </p:txBody>
+      </p:sp>
+      <p:sp>
+        <p:nvSpPr>
+          <p:cNvPr id="3" name="TextBox 2">
+            <a:extLst>
+              <a:ext uri="{FF2B5EF4-FFF2-40B4-BE49-F238E27FC236}">
+                <a16:creationId xmlns:a16="http://schemas.microsoft.com/office/drawing/2014/main" id="{1BB0A32F-3177-9E7C-3D15-B2EEDF943E4E}"/>
+              </a:ext>
+            </a:extLst>
+          </p:cNvPr>
+          <p:cNvSpPr txBox="1"/>
+          <p:nvPr/>
+        </p:nvSpPr>
+        <p:spPr>
+          <a:xfrm>
+            <a:off x="164387" y="945223"/>
+            <a:ext cx="5931613" cy="6186309"/>
+          </a:xfrm>
+          <a:prstGeom prst="rect">
+            <a:avLst/>
+          </a:prstGeom>
+          <a:noFill/>
+        </p:spPr>
+        <p:txBody>
+          <a:bodyPr wrap="square" rtlCol="0">
+            <a:spAutoFit/>
+          </a:bodyPr>
+          <a:lstStyle/>
+          <a:p>
+            <a:pPr marL="285750" indent="-285750">
+              <a:buFont typeface="Arial" panose="020B0604020202020204" pitchFamily="34" charset="0"/>
+              <a:buChar char="•"/>
+            </a:pPr>
+            <a:r>
+              <a:rPr lang="en-US" dirty="0">
+                <a:latin typeface="Arial" panose="020B0604020202020204" pitchFamily="34" charset="0"/>
+                <a:cs typeface="Arial" panose="020B0604020202020204" pitchFamily="34" charset="0"/>
+              </a:rPr>
+              <a:t>Show one slides of code fragment and explain what does the code implement</a:t>
+            </a:r>
+          </a:p>
+          <a:p>
+            <a:pPr marL="742950" lvl="1" indent="-285750">
+              <a:buFont typeface="Arial" panose="020B0604020202020204" pitchFamily="34" charset="0"/>
+              <a:buChar char="•"/>
+            </a:pPr>
+            <a:r>
+              <a:rPr lang="en-US" dirty="0">
+                <a:latin typeface="Arial" panose="020B0604020202020204" pitchFamily="34" charset="0"/>
+                <a:cs typeface="Arial" panose="020B0604020202020204" pitchFamily="34" charset="0"/>
+              </a:rPr>
+              <a:t>Used following commands to install dependencies to install required libraries &amp; for code execution:</a:t>
+            </a:r>
+          </a:p>
+          <a:p>
+            <a:pPr marL="1200150" lvl="2" indent="-285750">
+              <a:buFont typeface="Arial" panose="020B0604020202020204" pitchFamily="34" charset="0"/>
+              <a:buChar char="•"/>
+            </a:pPr>
+            <a:r>
+              <a:rPr lang="en-US" dirty="0" err="1">
+                <a:latin typeface="Arial" panose="020B0604020202020204" pitchFamily="34" charset="0"/>
+                <a:cs typeface="Arial" panose="020B0604020202020204" pitchFamily="34" charset="0"/>
+              </a:rPr>
+              <a:t>py</a:t>
+            </a:r>
+            <a:r>
+              <a:rPr lang="en-US" dirty="0">
+                <a:latin typeface="Arial" panose="020B0604020202020204" pitchFamily="34" charset="0"/>
+                <a:cs typeface="Arial" panose="020B0604020202020204" pitchFamily="34" charset="0"/>
+              </a:rPr>
+              <a:t> -m </a:t>
+            </a:r>
+            <a:r>
+              <a:rPr lang="en-US" dirty="0" err="1">
+                <a:latin typeface="Arial" panose="020B0604020202020204" pitchFamily="34" charset="0"/>
+                <a:cs typeface="Arial" panose="020B0604020202020204" pitchFamily="34" charset="0"/>
+              </a:rPr>
+              <a:t>venv</a:t>
+            </a:r>
+            <a:r>
+              <a:rPr lang="en-US" dirty="0">
+                <a:latin typeface="Arial" panose="020B0604020202020204" pitchFamily="34" charset="0"/>
+                <a:cs typeface="Arial" panose="020B0604020202020204" pitchFamily="34" charset="0"/>
+              </a:rPr>
+              <a:t> env 	#created virtual environment	</a:t>
+            </a:r>
+          </a:p>
+          <a:p>
+            <a:pPr marL="1200150" lvl="2" indent="-285750">
+              <a:buFont typeface="Arial" panose="020B0604020202020204" pitchFamily="34" charset="0"/>
+              <a:buChar char="•"/>
+            </a:pPr>
+            <a:r>
+              <a:rPr lang="en-US" dirty="0">
+                <a:latin typeface="Arial" panose="020B0604020202020204" pitchFamily="34" charset="0"/>
+                <a:cs typeface="Arial" panose="020B0604020202020204" pitchFamily="34" charset="0"/>
+              </a:rPr>
+              <a:t>env/Scripts/activate		# </a:t>
+            </a:r>
+            <a:r>
+              <a:rPr lang="en-US" dirty="0" err="1">
+                <a:latin typeface="Arial" panose="020B0604020202020204" pitchFamily="34" charset="0"/>
+                <a:cs typeface="Arial" panose="020B0604020202020204" pitchFamily="34" charset="0"/>
+              </a:rPr>
+              <a:t>actived</a:t>
+            </a:r>
+            <a:r>
+              <a:rPr lang="en-US" dirty="0">
+                <a:latin typeface="Arial" panose="020B0604020202020204" pitchFamily="34" charset="0"/>
+                <a:cs typeface="Arial" panose="020B0604020202020204" pitchFamily="34" charset="0"/>
+              </a:rPr>
+              <a:t> Virtual environment </a:t>
+            </a:r>
+          </a:p>
+          <a:p>
+            <a:pPr marL="1200150" lvl="2" indent="-285750">
+              <a:buFont typeface="Arial" panose="020B0604020202020204" pitchFamily="34" charset="0"/>
+              <a:buChar char="•"/>
+            </a:pPr>
+            <a:r>
+              <a:rPr lang="en-US" dirty="0">
+                <a:latin typeface="Arial" panose="020B0604020202020204" pitchFamily="34" charset="0"/>
+                <a:cs typeface="Arial" panose="020B0604020202020204" pitchFamily="34" charset="0"/>
+              </a:rPr>
+              <a:t>pip install </a:t>
+            </a:r>
+            <a:r>
+              <a:rPr lang="en-US" dirty="0" err="1">
+                <a:latin typeface="Arial" panose="020B0604020202020204" pitchFamily="34" charset="0"/>
+                <a:cs typeface="Arial" panose="020B0604020202020204" pitchFamily="34" charset="0"/>
+              </a:rPr>
+              <a:t>fastapi</a:t>
+            </a:r>
+            <a:r>
+              <a:rPr lang="en-US" dirty="0">
+                <a:latin typeface="Arial" panose="020B0604020202020204" pitchFamily="34" charset="0"/>
+                <a:cs typeface="Arial" panose="020B0604020202020204" pitchFamily="34" charset="0"/>
+              </a:rPr>
+              <a:t>		# for FastAPI framework</a:t>
+            </a:r>
+          </a:p>
+          <a:p>
+            <a:pPr marL="1200150" lvl="2" indent="-285750">
+              <a:buFont typeface="Arial" panose="020B0604020202020204" pitchFamily="34" charset="0"/>
+              <a:buChar char="•"/>
+            </a:pPr>
+            <a:r>
+              <a:rPr lang="en-US" dirty="0">
+                <a:latin typeface="Arial" panose="020B0604020202020204" pitchFamily="34" charset="0"/>
+                <a:cs typeface="Arial" panose="020B0604020202020204" pitchFamily="34" charset="0"/>
+              </a:rPr>
+              <a:t>pip install </a:t>
+            </a:r>
+            <a:r>
+              <a:rPr lang="en-US" dirty="0" err="1">
+                <a:latin typeface="Arial" panose="020B0604020202020204" pitchFamily="34" charset="0"/>
+                <a:cs typeface="Arial" panose="020B0604020202020204" pitchFamily="34" charset="0"/>
+              </a:rPr>
+              <a:t>uvicorn</a:t>
+            </a:r>
+            <a:r>
+              <a:rPr lang="en-US" dirty="0">
+                <a:latin typeface="Arial" panose="020B0604020202020204" pitchFamily="34" charset="0"/>
+                <a:cs typeface="Arial" panose="020B0604020202020204" pitchFamily="34" charset="0"/>
+              </a:rPr>
+              <a:t> 		# for code execution in local environment</a:t>
+            </a:r>
+          </a:p>
+          <a:p>
+            <a:pPr marL="1200150" lvl="2" indent="-285750">
+              <a:buFont typeface="Arial" panose="020B0604020202020204" pitchFamily="34" charset="0"/>
+              <a:buChar char="•"/>
+            </a:pPr>
+            <a:r>
+              <a:rPr lang="en-US" dirty="0">
+                <a:latin typeface="Arial" panose="020B0604020202020204" pitchFamily="34" charset="0"/>
+                <a:cs typeface="Arial" panose="020B0604020202020204" pitchFamily="34" charset="0"/>
+              </a:rPr>
+              <a:t>pip install </a:t>
+            </a:r>
+            <a:r>
+              <a:rPr lang="en-US" dirty="0" err="1">
+                <a:latin typeface="Arial" panose="020B0604020202020204" pitchFamily="34" charset="0"/>
+                <a:cs typeface="Arial" panose="020B0604020202020204" pitchFamily="34" charset="0"/>
+              </a:rPr>
+              <a:t>mangum</a:t>
+            </a:r>
+            <a:r>
+              <a:rPr lang="en-US" dirty="0">
+                <a:latin typeface="Arial" panose="020B0604020202020204" pitchFamily="34" charset="0"/>
+                <a:cs typeface="Arial" panose="020B0604020202020204" pitchFamily="34" charset="0"/>
+              </a:rPr>
+              <a:t>		# AWS lambda</a:t>
+            </a:r>
+          </a:p>
+          <a:p>
+            <a:pPr marL="1200150" lvl="2" indent="-285750">
+              <a:buFont typeface="Arial" panose="020B0604020202020204" pitchFamily="34" charset="0"/>
+              <a:buChar char="•"/>
+            </a:pPr>
+            <a:r>
+              <a:rPr lang="en-US" dirty="0" err="1">
+                <a:latin typeface="Arial" panose="020B0604020202020204" pitchFamily="34" charset="0"/>
+                <a:cs typeface="Arial" panose="020B0604020202020204" pitchFamily="34" charset="0"/>
+              </a:rPr>
+              <a:t>uvicorn</a:t>
+            </a:r>
+            <a:r>
+              <a:rPr lang="en-US" dirty="0">
+                <a:latin typeface="Arial" panose="020B0604020202020204" pitchFamily="34" charset="0"/>
+                <a:cs typeface="Arial" panose="020B0604020202020204" pitchFamily="34" charset="0"/>
+              </a:rPr>
+              <a:t> </a:t>
+            </a:r>
+            <a:r>
+              <a:rPr lang="en-US" dirty="0" err="1">
+                <a:latin typeface="Arial" panose="020B0604020202020204" pitchFamily="34" charset="0"/>
+                <a:cs typeface="Arial" panose="020B0604020202020204" pitchFamily="34" charset="0"/>
+              </a:rPr>
+              <a:t>main:app</a:t>
+            </a:r>
+            <a:r>
+              <a:rPr lang="en-US" dirty="0">
+                <a:latin typeface="Arial" panose="020B0604020202020204" pitchFamily="34" charset="0"/>
+                <a:cs typeface="Arial" panose="020B0604020202020204" pitchFamily="34" charset="0"/>
+              </a:rPr>
+              <a:t> –reload	#run project</a:t>
+            </a:r>
+          </a:p>
+          <a:p>
+            <a:pPr marL="1200150" lvl="2" indent="-285750">
+              <a:buFont typeface="Arial" panose="020B0604020202020204" pitchFamily="34" charset="0"/>
+              <a:buChar char="•"/>
+            </a:pPr>
+            <a:r>
+              <a:rPr lang="en-US" dirty="0" err="1">
+                <a:latin typeface="Arial" panose="020B0604020202020204" pitchFamily="34" charset="0"/>
+                <a:cs typeface="Arial" panose="020B0604020202020204" pitchFamily="34" charset="0"/>
+              </a:rPr>
+              <a:t>py</a:t>
+            </a:r>
+            <a:r>
+              <a:rPr lang="en-US" dirty="0">
+                <a:latin typeface="Arial" panose="020B0604020202020204" pitchFamily="34" charset="0"/>
+                <a:cs typeface="Arial" panose="020B0604020202020204" pitchFamily="34" charset="0"/>
+              </a:rPr>
+              <a:t> -m pip install "</a:t>
+            </a:r>
+            <a:r>
+              <a:rPr lang="en-US" dirty="0" err="1">
+                <a:latin typeface="Arial" panose="020B0604020202020204" pitchFamily="34" charset="0"/>
+                <a:cs typeface="Arial" panose="020B0604020202020204" pitchFamily="34" charset="0"/>
+              </a:rPr>
+              <a:t>pymongo</a:t>
+            </a:r>
+            <a:r>
+              <a:rPr lang="en-US" dirty="0">
+                <a:latin typeface="Arial" panose="020B0604020202020204" pitchFamily="34" charset="0"/>
+                <a:cs typeface="Arial" panose="020B0604020202020204" pitchFamily="34" charset="0"/>
+              </a:rPr>
+              <a:t>[</a:t>
+            </a:r>
+            <a:r>
+              <a:rPr lang="en-US" dirty="0" err="1">
+                <a:latin typeface="Arial" panose="020B0604020202020204" pitchFamily="34" charset="0"/>
+                <a:cs typeface="Arial" panose="020B0604020202020204" pitchFamily="34" charset="0"/>
+              </a:rPr>
+              <a:t>srv</a:t>
+            </a:r>
+            <a:r>
+              <a:rPr lang="en-US" dirty="0">
+                <a:latin typeface="Arial" panose="020B0604020202020204" pitchFamily="34" charset="0"/>
+                <a:cs typeface="Arial" panose="020B0604020202020204" pitchFamily="34" charset="0"/>
+              </a:rPr>
+              <a:t>]“		# Install MongoDB drivers</a:t>
+            </a:r>
+          </a:p>
+          <a:p>
+            <a:pPr marL="742950" lvl="1" indent="-285750">
+              <a:buFont typeface="Arial" panose="020B0604020202020204" pitchFamily="34" charset="0"/>
+              <a:buChar char="•"/>
+            </a:pPr>
+            <a:r>
+              <a:rPr lang="en-US" dirty="0" err="1">
+                <a:latin typeface="Arial" panose="020B0604020202020204" pitchFamily="34" charset="0"/>
+                <a:cs typeface="Arial" panose="020B0604020202020204" pitchFamily="34" charset="0"/>
+              </a:rPr>
+              <a:t>ScreenShot</a:t>
+            </a:r>
+            <a:r>
+              <a:rPr lang="en-US" dirty="0">
+                <a:latin typeface="Arial" panose="020B0604020202020204" pitchFamily="34" charset="0"/>
+                <a:cs typeface="Arial" panose="020B0604020202020204" pitchFamily="34" charset="0"/>
+              </a:rPr>
+              <a:t> is file structure of all routes, models, schemas, database configuration files used in this project and main.py is first file from where code execution will start.</a:t>
+            </a:r>
+          </a:p>
+          <a:p>
+            <a:pPr marL="742950" lvl="1" indent="-285750">
+              <a:buFont typeface="Arial" panose="020B0604020202020204" pitchFamily="34" charset="0"/>
+              <a:buChar char="•"/>
+            </a:pPr>
+            <a:endParaRPr lang="en-US" dirty="0">
+              <a:latin typeface="Arial" panose="020B0604020202020204" pitchFamily="34" charset="0"/>
+              <a:cs typeface="Arial" panose="020B0604020202020204" pitchFamily="34" charset="0"/>
+            </a:endParaRPr>
+          </a:p>
+        </p:txBody>
+      </p:sp>
+      <p:pic>
+        <p:nvPicPr>
+          <p:cNvPr id="7" name="Picture 6">
+            <a:extLst>
+              <a:ext uri="{FF2B5EF4-FFF2-40B4-BE49-F238E27FC236}">
+                <a16:creationId xmlns:a16="http://schemas.microsoft.com/office/drawing/2014/main" id="{906FFF67-E9B1-4C96-225D-902D4A8DCD1A}"/>
+              </a:ext>
+            </a:extLst>
+          </p:cNvPr>
+          <p:cNvPicPr>
+            <a:picLocks noChangeAspect="1"/>
+          </p:cNvPicPr>
+          <p:nvPr/>
+        </p:nvPicPr>
+        <p:blipFill>
+          <a:blip r:embed="rId2">
+            <a:extLst>
+              <a:ext uri="{28A0092B-C50C-407E-A947-70E740481C1C}">
+                <a14:useLocalDpi xmlns:a14="http://schemas.microsoft.com/office/drawing/2010/main" val="0"/>
+              </a:ext>
+            </a:extLst>
+          </a:blip>
+          <a:stretch>
+            <a:fillRect/>
+          </a:stretch>
+        </p:blipFill>
+        <p:spPr>
+          <a:xfrm>
+            <a:off x="6098042" y="1643867"/>
+            <a:ext cx="5977824" cy="4140484"/>
+          </a:xfrm>
+          <a:prstGeom prst="rect">
+            <a:avLst/>
+          </a:prstGeom>
+        </p:spPr>
+      </p:pic>
+    </p:spTree>
+    <p:extLst>
+      <p:ext uri="{BB962C8B-B14F-4D97-AF65-F5344CB8AC3E}">
+        <p14:creationId xmlns:p14="http://schemas.microsoft.com/office/powerpoint/2010/main" val="260834683"/>
+      </p:ext>
+    </p:extLst>
+  </p:cSld>
+  <p:clrMapOvr>
+    <a:masterClrMapping/>
+  </p:clrMapOvr>
+</p:sld>
+</file>
+
+<file path=ppt/slides/slide19.xml><?xml version="1.0" encoding="utf-8"?>
+<p:sld xmlns:a="http://schemas.openxmlformats.org/drawingml/2006/main" xmlns:r="http://schemas.openxmlformats.org/officeDocument/2006/relationships" xmlns:p="http://schemas.openxmlformats.org/presentationml/2006/main">
+  <p:cSld>
+    <p:spTree>
+      <p:nvGrpSpPr>
+        <p:cNvPr id="1" name=""/>
+        <p:cNvGrpSpPr/>
+        <p:nvPr/>
+      </p:nvGrpSpPr>
+      <p:grpSpPr>
+        <a:xfrm>
+          <a:off x="0" y="0"/>
+          <a:ext cx="0" cy="0"/>
+          <a:chOff x="0" y="0"/>
+          <a:chExt cx="0" cy="0"/>
+        </a:xfrm>
+      </p:grpSpPr>
+      <p:sp>
+        <p:nvSpPr>
+          <p:cNvPr id="2" name="TextBox 1">
+            <a:extLst>
+              <a:ext uri="{FF2B5EF4-FFF2-40B4-BE49-F238E27FC236}">
+                <a16:creationId xmlns:a16="http://schemas.microsoft.com/office/drawing/2014/main" id="{EF89A037-FEE2-334B-9C17-438B08EEE490}"/>
+              </a:ext>
+            </a:extLst>
+          </p:cNvPr>
+          <p:cNvSpPr txBox="1"/>
+          <p:nvPr/>
+        </p:nvSpPr>
+        <p:spPr>
+          <a:xfrm>
+            <a:off x="739739" y="1222625"/>
+            <a:ext cx="11013897" cy="4524315"/>
+          </a:xfrm>
+          <a:prstGeom prst="rect">
+            <a:avLst/>
+          </a:prstGeom>
+          <a:noFill/>
+        </p:spPr>
+        <p:txBody>
+          <a:bodyPr wrap="square" rtlCol="0">
+            <a:spAutoFit/>
+          </a:bodyPr>
+          <a:lstStyle/>
+          <a:p>
+            <a:pPr marL="285750" indent="-285750">
+              <a:buFont typeface="Arial" panose="020B0604020202020204" pitchFamily="34" charset="0"/>
+              <a:buChar char="•"/>
+            </a:pPr>
+            <a:r>
+              <a:rPr lang="en-US" dirty="0">
+                <a:latin typeface="Arial" panose="020B0604020202020204" pitchFamily="34" charset="0"/>
+                <a:cs typeface="Arial" panose="020B0604020202020204" pitchFamily="34" charset="0"/>
+              </a:rPr>
+              <a:t>Briefly state what programming language, framework, platform and database systems are used</a:t>
+            </a:r>
+          </a:p>
+          <a:p>
+            <a:pPr marL="742950" lvl="1" indent="-285750">
+              <a:buFont typeface="Arial" panose="020B0604020202020204" pitchFamily="34" charset="0"/>
+              <a:buChar char="•"/>
+            </a:pPr>
+            <a:r>
+              <a:rPr lang="en-US" dirty="0">
+                <a:latin typeface="Arial" panose="020B0604020202020204" pitchFamily="34" charset="0"/>
+                <a:cs typeface="Arial" panose="020B0604020202020204" pitchFamily="34" charset="0"/>
+              </a:rPr>
+              <a:t>Programming language: Python language used with version 3.12</a:t>
+            </a:r>
+          </a:p>
+          <a:p>
+            <a:pPr marL="742950" lvl="1" indent="-285750">
+              <a:buFont typeface="Arial" panose="020B0604020202020204" pitchFamily="34" charset="0"/>
+              <a:buChar char="•"/>
+            </a:pPr>
+            <a:r>
+              <a:rPr lang="en-US" dirty="0">
+                <a:latin typeface="Arial" panose="020B0604020202020204" pitchFamily="34" charset="0"/>
+                <a:cs typeface="Arial" panose="020B0604020202020204" pitchFamily="34" charset="0"/>
+              </a:rPr>
+              <a:t>Framework: we used Python FastAPI framework in this project</a:t>
+            </a:r>
+          </a:p>
+          <a:p>
+            <a:pPr marL="742950" lvl="1" indent="-285750">
+              <a:buFont typeface="Arial" panose="020B0604020202020204" pitchFamily="34" charset="0"/>
+              <a:buChar char="•"/>
+            </a:pPr>
+            <a:r>
+              <a:rPr lang="en-US" dirty="0">
+                <a:latin typeface="Arial" panose="020B0604020202020204" pitchFamily="34" charset="0"/>
+                <a:cs typeface="Arial" panose="020B0604020202020204" pitchFamily="34" charset="0"/>
+              </a:rPr>
+              <a:t>Database systems: We had used MongoDB Atlas system for saving and accessing database.</a:t>
+            </a:r>
+          </a:p>
+          <a:p>
+            <a:pPr marL="285750" indent="-285750">
+              <a:buFont typeface="Arial" panose="020B0604020202020204" pitchFamily="34" charset="0"/>
+              <a:buChar char="•"/>
+            </a:pPr>
+            <a:r>
+              <a:rPr lang="en-US" dirty="0">
+                <a:latin typeface="Arial" panose="020B0604020202020204" pitchFamily="34" charset="0"/>
+                <a:cs typeface="Arial" panose="020B0604020202020204" pitchFamily="34" charset="0"/>
+              </a:rPr>
+              <a:t>Explain why the implementation addressed quality requirements:</a:t>
+            </a:r>
+          </a:p>
+          <a:p>
+            <a:pPr marL="742950" lvl="1" indent="-285750">
+              <a:buFont typeface="Arial" panose="020B0604020202020204" pitchFamily="34" charset="0"/>
+              <a:buChar char="•"/>
+            </a:pPr>
+            <a:r>
+              <a:rPr lang="en-US" dirty="0">
+                <a:latin typeface="Arial" panose="020B0604020202020204" pitchFamily="34" charset="0"/>
+                <a:cs typeface="Arial" panose="020B0604020202020204" pitchFamily="34" charset="0"/>
+              </a:rPr>
+              <a:t>Modular structure approach used: We had separated routes, models, schemas, database configuration files for managing code in modular way for easy managing code.</a:t>
+            </a:r>
+          </a:p>
+          <a:p>
+            <a:pPr marL="742950" lvl="1" indent="-285750">
+              <a:buFont typeface="Arial" panose="020B0604020202020204" pitchFamily="34" charset="0"/>
+              <a:buChar char="•"/>
+            </a:pPr>
+            <a:r>
+              <a:rPr lang="en-US" dirty="0">
+                <a:latin typeface="Arial" panose="020B0604020202020204" pitchFamily="34" charset="0"/>
+                <a:cs typeface="Arial" panose="020B0604020202020204" pitchFamily="34" charset="0"/>
+              </a:rPr>
+              <a:t>Proper documentation: separate document file added for easy understanding requirements for code execution and code manipulation.</a:t>
+            </a:r>
+          </a:p>
+          <a:p>
+            <a:pPr marL="742950" lvl="1" indent="-285750">
+              <a:buFont typeface="Arial" panose="020B0604020202020204" pitchFamily="34" charset="0"/>
+              <a:buChar char="•"/>
+            </a:pPr>
+            <a:r>
+              <a:rPr lang="en-US" dirty="0">
+                <a:latin typeface="Arial" panose="020B0604020202020204" pitchFamily="34" charset="0"/>
+                <a:cs typeface="Arial" panose="020B0604020202020204" pitchFamily="34" charset="0"/>
+              </a:rPr>
+              <a:t>Code commenting: proper code inline commenting included for easy code understanding by any developer.</a:t>
+            </a:r>
+          </a:p>
+          <a:p>
+            <a:pPr marL="742950" lvl="1" indent="-285750">
+              <a:buFont typeface="Arial" panose="020B0604020202020204" pitchFamily="34" charset="0"/>
+              <a:buChar char="•"/>
+            </a:pPr>
+            <a:r>
+              <a:rPr lang="en-US" dirty="0">
+                <a:latin typeface="Arial" panose="020B0604020202020204" pitchFamily="34" charset="0"/>
+                <a:cs typeface="Arial" panose="020B0604020202020204" pitchFamily="34" charset="0"/>
+              </a:rPr>
+              <a:t>Credentials parsing for security purpose: before creating connection between our code and other subsystem such as MongoDB we used credential parsing approach for encoding our username and password for security purpose.</a:t>
+            </a:r>
+          </a:p>
+          <a:p>
+            <a:pPr marL="742950" lvl="1" indent="-285750">
+              <a:buFont typeface="Arial" panose="020B0604020202020204" pitchFamily="34" charset="0"/>
+              <a:buChar char="•"/>
+            </a:pPr>
+            <a:endParaRPr lang="en-IN" dirty="0">
+              <a:latin typeface="Arial" panose="020B0604020202020204" pitchFamily="34" charset="0"/>
+              <a:cs typeface="Arial" panose="020B0604020202020204" pitchFamily="34" charset="0"/>
+            </a:endParaRPr>
+          </a:p>
+          <a:p>
+            <a:endParaRPr lang="en-IN" dirty="0"/>
+          </a:p>
+        </p:txBody>
+      </p:sp>
+    </p:spTree>
+    <p:extLst>
+      <p:ext uri="{BB962C8B-B14F-4D97-AF65-F5344CB8AC3E}">
+        <p14:creationId xmlns:p14="http://schemas.microsoft.com/office/powerpoint/2010/main" val="726267476"/>
+      </p:ext>
+    </p:extLst>
+  </p:cSld>
+  <p:clrMapOvr>
+    <a:masterClrMapping/>
+  </p:clrMapOvr>
+</p:sld>
+</file>
+
 <file path=ppt/slides/slide2.xml><?xml version="1.0" encoding="utf-8"?>
 <p:sld xmlns:a="http://schemas.openxmlformats.org/drawingml/2006/main" xmlns:r="http://schemas.openxmlformats.org/officeDocument/2006/relationships" xmlns:p="http://schemas.openxmlformats.org/presentationml/2006/main">
   <p:cSld>
@@ -16450,6 +17864,1556 @@
     <p:extLst>
       <p:ext uri="{BB962C8B-B14F-4D97-AF65-F5344CB8AC3E}">
         <p14:creationId xmlns:p14="http://schemas.microsoft.com/office/powerpoint/2010/main" val="2096349279"/>
+      </p:ext>
+    </p:extLst>
+  </p:cSld>
+  <p:clrMapOvr>
+    <a:masterClrMapping/>
+  </p:clrMapOvr>
+</p:sld>
+</file>
+
+<file path=ppt/slides/slide20.xml><?xml version="1.0" encoding="utf-8"?>
+<p:sld xmlns:a="http://schemas.openxmlformats.org/drawingml/2006/main" xmlns:r="http://schemas.openxmlformats.org/officeDocument/2006/relationships" xmlns:p="http://schemas.openxmlformats.org/presentationml/2006/main">
+  <p:cSld>
+    <p:spTree>
+      <p:nvGrpSpPr>
+        <p:cNvPr id="1" name=""/>
+        <p:cNvGrpSpPr/>
+        <p:nvPr/>
+      </p:nvGrpSpPr>
+      <p:grpSpPr>
+        <a:xfrm>
+          <a:off x="0" y="0"/>
+          <a:ext cx="0" cy="0"/>
+          <a:chOff x="0" y="0"/>
+          <a:chExt cx="0" cy="0"/>
+        </a:xfrm>
+      </p:grpSpPr>
+      <p:sp>
+        <p:nvSpPr>
+          <p:cNvPr id="2" name="TextBox 1">
+            <a:extLst>
+              <a:ext uri="{FF2B5EF4-FFF2-40B4-BE49-F238E27FC236}">
+                <a16:creationId xmlns:a16="http://schemas.microsoft.com/office/drawing/2014/main" id="{B8E99924-046A-9172-744D-E3E3AF1C8D60}"/>
+              </a:ext>
+            </a:extLst>
+          </p:cNvPr>
+          <p:cNvSpPr txBox="1"/>
+          <p:nvPr/>
+        </p:nvSpPr>
+        <p:spPr>
+          <a:xfrm>
+            <a:off x="1602768" y="274872"/>
+            <a:ext cx="9185096" cy="461665"/>
+          </a:xfrm>
+          <a:prstGeom prst="rect">
+            <a:avLst/>
+          </a:prstGeom>
+          <a:noFill/>
+        </p:spPr>
+        <p:txBody>
+          <a:bodyPr wrap="square" rtlCol="0">
+            <a:spAutoFit/>
+          </a:bodyPr>
+          <a:lstStyle/>
+          <a:p>
+            <a:pPr algn="ctr"/>
+            <a:r>
+              <a:rPr lang="en-IN" sz="2400" dirty="0">
+                <a:latin typeface="Arial" panose="020B0604020202020204" pitchFamily="34" charset="0"/>
+                <a:cs typeface="Arial" panose="020B0604020202020204" pitchFamily="34" charset="0"/>
+              </a:rPr>
+              <a:t>System testing and Integration</a:t>
+            </a:r>
+          </a:p>
+        </p:txBody>
+      </p:sp>
+      <p:sp>
+        <p:nvSpPr>
+          <p:cNvPr id="3" name="TextBox 2">
+            <a:extLst>
+              <a:ext uri="{FF2B5EF4-FFF2-40B4-BE49-F238E27FC236}">
+                <a16:creationId xmlns:a16="http://schemas.microsoft.com/office/drawing/2014/main" id="{31406EC3-86C6-3A5B-7FDD-DBA26D074888}"/>
+              </a:ext>
+            </a:extLst>
+          </p:cNvPr>
+          <p:cNvSpPr txBox="1"/>
+          <p:nvPr/>
+        </p:nvSpPr>
+        <p:spPr>
+          <a:xfrm>
+            <a:off x="452064" y="736537"/>
+            <a:ext cx="10870058" cy="369332"/>
+          </a:xfrm>
+          <a:prstGeom prst="rect">
+            <a:avLst/>
+          </a:prstGeom>
+          <a:noFill/>
+        </p:spPr>
+        <p:txBody>
+          <a:bodyPr wrap="square" rtlCol="0">
+            <a:spAutoFit/>
+          </a:bodyPr>
+          <a:lstStyle/>
+          <a:p>
+            <a:pPr marL="285750" indent="-285750">
+              <a:buFont typeface="Arial" panose="020B0604020202020204" pitchFamily="34" charset="0"/>
+              <a:buChar char="•"/>
+            </a:pPr>
+            <a:r>
+              <a:rPr lang="en-US" dirty="0">
+                <a:latin typeface="Arial" panose="020B0604020202020204" pitchFamily="34" charset="0"/>
+                <a:cs typeface="Arial" panose="020B0604020202020204" pitchFamily="34" charset="0"/>
+              </a:rPr>
+              <a:t>Show a summary table on use cases and scenarios tested and discuss test adequacy:</a:t>
+            </a:r>
+          </a:p>
+        </p:txBody>
+      </p:sp>
+      <p:graphicFrame>
+        <p:nvGraphicFramePr>
+          <p:cNvPr id="4" name="Table 3">
+            <a:extLst>
+              <a:ext uri="{FF2B5EF4-FFF2-40B4-BE49-F238E27FC236}">
+                <a16:creationId xmlns:a16="http://schemas.microsoft.com/office/drawing/2014/main" id="{DD069BE2-D730-231B-E515-56F5483523DF}"/>
+              </a:ext>
+            </a:extLst>
+          </p:cNvPr>
+          <p:cNvGraphicFramePr>
+            <a:graphicFrameLocks noGrp="1"/>
+          </p:cNvGraphicFramePr>
+          <p:nvPr>
+            <p:extLst>
+              <p:ext uri="{D42A27DB-BD31-4B8C-83A1-F6EECF244321}">
+                <p14:modId xmlns:p14="http://schemas.microsoft.com/office/powerpoint/2010/main" val="1178454"/>
+              </p:ext>
+            </p:extLst>
+          </p:nvPr>
+        </p:nvGraphicFramePr>
+        <p:xfrm>
+          <a:off x="571927" y="1198202"/>
+          <a:ext cx="10760469" cy="5266170"/>
+        </p:xfrm>
+        <a:graphic>
+          <a:graphicData uri="http://schemas.openxmlformats.org/drawingml/2006/table">
+            <a:tbl>
+              <a:tblPr firstRow="1" bandRow="1">
+                <a:tableStyleId>{5C22544A-7EE6-4342-B048-85BDC9FD1C3A}</a:tableStyleId>
+              </a:tblPr>
+              <a:tblGrid>
+                <a:gridCol w="3586823">
+                  <a:extLst>
+                    <a:ext uri="{9D8B030D-6E8A-4147-A177-3AD203B41FA5}">
+                      <a16:colId xmlns:a16="http://schemas.microsoft.com/office/drawing/2014/main" val="734363785"/>
+                    </a:ext>
+                  </a:extLst>
+                </a:gridCol>
+                <a:gridCol w="3586823">
+                  <a:extLst>
+                    <a:ext uri="{9D8B030D-6E8A-4147-A177-3AD203B41FA5}">
+                      <a16:colId xmlns:a16="http://schemas.microsoft.com/office/drawing/2014/main" val="448970717"/>
+                    </a:ext>
+                  </a:extLst>
+                </a:gridCol>
+                <a:gridCol w="3586823">
+                  <a:extLst>
+                    <a:ext uri="{9D8B030D-6E8A-4147-A177-3AD203B41FA5}">
+                      <a16:colId xmlns:a16="http://schemas.microsoft.com/office/drawing/2014/main" val="3418385425"/>
+                    </a:ext>
+                  </a:extLst>
+                </a:gridCol>
+              </a:tblGrid>
+              <a:tr h="483106">
+                <a:tc>
+                  <a:txBody>
+                    <a:bodyPr/>
+                    <a:lstStyle/>
+                    <a:p>
+                      <a:pPr marL="0" marR="0" lvl="0" indent="0" algn="ctr" defTabSz="914400" rtl="0" eaLnBrk="1" fontAlgn="auto" latinLnBrk="0" hangingPunct="1">
+                        <a:lnSpc>
+                          <a:spcPct val="100000"/>
+                        </a:lnSpc>
+                        <a:spcBef>
+                          <a:spcPts val="0"/>
+                        </a:spcBef>
+                        <a:spcAft>
+                          <a:spcPts val="0"/>
+                        </a:spcAft>
+                        <a:buClrTx/>
+                        <a:buSzTx/>
+                        <a:buFontTx/>
+                        <a:buNone/>
+                        <a:tabLst/>
+                        <a:defRPr/>
+                      </a:pPr>
+                      <a:r>
+                        <a:rPr lang="en-IN" sz="1400" b="0" dirty="0">
+                          <a:latin typeface="Arial" panose="020B0604020202020204" pitchFamily="34" charset="0"/>
+                          <a:cs typeface="Arial" panose="020B0604020202020204" pitchFamily="34" charset="0"/>
+                        </a:rPr>
+                        <a:t>API  Testing</a:t>
+                      </a:r>
+                    </a:p>
+                    <a:p>
+                      <a:pPr algn="ctr"/>
+                      <a:endParaRPr lang="en-IN" sz="1400" b="0" dirty="0">
+                        <a:latin typeface="Arial" panose="020B0604020202020204" pitchFamily="34" charset="0"/>
+                        <a:cs typeface="Arial" panose="020B0604020202020204" pitchFamily="34" charset="0"/>
+                      </a:endParaRPr>
+                    </a:p>
+                  </a:txBody>
+                  <a:tcPr/>
+                </a:tc>
+                <a:tc>
+                  <a:txBody>
+                    <a:bodyPr/>
+                    <a:lstStyle/>
+                    <a:p>
+                      <a:pPr algn="ctr"/>
+                      <a:r>
+                        <a:rPr lang="en-IN" sz="1400" b="0" dirty="0">
+                          <a:latin typeface="Arial" panose="020B0604020202020204" pitchFamily="34" charset="0"/>
+                          <a:cs typeface="Arial" panose="020B0604020202020204" pitchFamily="34" charset="0"/>
+                        </a:rPr>
+                        <a:t>Test Cases</a:t>
+                      </a:r>
+                    </a:p>
+                  </a:txBody>
+                  <a:tcPr/>
+                </a:tc>
+                <a:tc>
+                  <a:txBody>
+                    <a:bodyPr/>
+                    <a:lstStyle/>
+                    <a:p>
+                      <a:pPr algn="ctr"/>
+                      <a:r>
+                        <a:rPr lang="en-IN" sz="1400" b="0" dirty="0">
+                          <a:latin typeface="Arial" panose="020B0604020202020204" pitchFamily="34" charset="0"/>
+                          <a:cs typeface="Arial" panose="020B0604020202020204" pitchFamily="34" charset="0"/>
+                        </a:rPr>
+                        <a:t>Description</a:t>
+                      </a:r>
+                    </a:p>
+                  </a:txBody>
+                  <a:tcPr/>
+                </a:tc>
+                <a:extLst>
+                  <a:ext uri="{0D108BD9-81ED-4DB2-BD59-A6C34878D82A}">
+                    <a16:rowId xmlns:a16="http://schemas.microsoft.com/office/drawing/2014/main" val="2921897679"/>
+                  </a:ext>
+                </a:extLst>
+              </a:tr>
+              <a:tr h="1051969">
+                <a:tc rowSpan="4">
+                  <a:txBody>
+                    <a:bodyPr/>
+                    <a:lstStyle/>
+                    <a:p>
+                      <a:pPr algn="ctr">
+                        <a:lnSpc>
+                          <a:spcPct val="750000"/>
+                        </a:lnSpc>
+                        <a:spcBef>
+                          <a:spcPts val="0"/>
+                        </a:spcBef>
+                        <a:spcAft>
+                          <a:spcPts val="0"/>
+                        </a:spcAft>
+                      </a:pPr>
+                      <a:r>
+                        <a:rPr lang="en-IN" sz="1400" b="0" dirty="0">
+                          <a:latin typeface="Arial" panose="020B0604020202020204" pitchFamily="34" charset="0"/>
+                          <a:cs typeface="Arial" panose="020B0604020202020204" pitchFamily="34" charset="0"/>
+                        </a:rPr>
+                        <a:t>Functional Testing</a:t>
+                      </a:r>
+                    </a:p>
+                  </a:txBody>
+                  <a:tcPr/>
+                </a:tc>
+                <a:tc>
+                  <a:txBody>
+                    <a:bodyPr/>
+                    <a:lstStyle/>
+                    <a:p>
+                      <a:pPr algn="l"/>
+                      <a:r>
+                        <a:rPr lang="en-IN" sz="1400" b="0" dirty="0">
+                          <a:latin typeface="Arial" panose="020B0604020202020204" pitchFamily="34" charset="0"/>
+                          <a:cs typeface="Arial" panose="020B0604020202020204" pitchFamily="34" charset="0"/>
+                        </a:rPr>
+                        <a:t>Status Code Validation for Valid Requests</a:t>
+                      </a:r>
+                    </a:p>
+                  </a:txBody>
+                  <a:tcPr/>
+                </a:tc>
+                <a:tc>
+                  <a:txBody>
+                    <a:bodyPr/>
+                    <a:lstStyle/>
+                    <a:p>
+                      <a:pPr algn="l"/>
+                      <a:r>
+                        <a:rPr lang="en-US" sz="1400" b="0" dirty="0">
+                          <a:latin typeface="Arial" panose="020B0604020202020204" pitchFamily="34" charset="0"/>
+                          <a:cs typeface="Arial" panose="020B0604020202020204" pitchFamily="34" charset="0"/>
+                        </a:rPr>
+                        <a:t>Verify that the API consistently returns the expected response status code, such as "200 OK," for valid and properly formatted requests.</a:t>
+                      </a:r>
+                      <a:endParaRPr lang="en-IN" sz="1400" b="0" dirty="0">
+                        <a:latin typeface="Arial" panose="020B0604020202020204" pitchFamily="34" charset="0"/>
+                        <a:cs typeface="Arial" panose="020B0604020202020204" pitchFamily="34" charset="0"/>
+                      </a:endParaRPr>
+                    </a:p>
+                  </a:txBody>
+                  <a:tcPr/>
+                </a:tc>
+                <a:extLst>
+                  <a:ext uri="{0D108BD9-81ED-4DB2-BD59-A6C34878D82A}">
+                    <a16:rowId xmlns:a16="http://schemas.microsoft.com/office/drawing/2014/main" val="847226561"/>
+                  </a:ext>
+                </a:extLst>
+              </a:tr>
+              <a:tr h="1074761">
+                <a:tc vMerge="1">
+                  <a:txBody>
+                    <a:bodyPr/>
+                    <a:lstStyle/>
+                    <a:p>
+                      <a:pPr algn="l"/>
+                      <a:endParaRPr lang="en-IN" sz="1400" b="0" dirty="0">
+                        <a:latin typeface="Arial" panose="020B0604020202020204" pitchFamily="34" charset="0"/>
+                        <a:cs typeface="Arial" panose="020B0604020202020204" pitchFamily="34" charset="0"/>
+                      </a:endParaRPr>
+                    </a:p>
+                  </a:txBody>
+                  <a:tcPr/>
+                </a:tc>
+                <a:tc>
+                  <a:txBody>
+                    <a:bodyPr/>
+                    <a:lstStyle/>
+                    <a:p>
+                      <a:pPr algn="l"/>
+                      <a:r>
+                        <a:rPr lang="en-US" sz="1400" b="0" dirty="0">
+                          <a:latin typeface="Arial" panose="020B0604020202020204" pitchFamily="34" charset="0"/>
+                          <a:cs typeface="Arial" panose="020B0604020202020204" pitchFamily="34" charset="0"/>
+                        </a:rPr>
+                        <a:t>Authentication Handling with Invalid Credentials</a:t>
+                      </a:r>
+                      <a:endParaRPr lang="en-IN" sz="1400" b="0" dirty="0">
+                        <a:latin typeface="Arial" panose="020B0604020202020204" pitchFamily="34" charset="0"/>
+                        <a:cs typeface="Arial" panose="020B0604020202020204" pitchFamily="34" charset="0"/>
+                      </a:endParaRPr>
+                    </a:p>
+                  </a:txBody>
+                  <a:tcPr/>
+                </a:tc>
+                <a:tc>
+                  <a:txBody>
+                    <a:bodyPr/>
+                    <a:lstStyle/>
+                    <a:p>
+                      <a:pPr algn="l"/>
+                      <a:r>
+                        <a:rPr lang="en-US" sz="1400" b="0" i="0" kern="1200" dirty="0">
+                          <a:solidFill>
+                            <a:schemeClr val="dk1"/>
+                          </a:solidFill>
+                          <a:effectLst/>
+                          <a:latin typeface="Arial" panose="020B0604020202020204" pitchFamily="34" charset="0"/>
+                          <a:ea typeface="+mn-ea"/>
+                          <a:cs typeface="Arial" panose="020B0604020202020204" pitchFamily="34" charset="0"/>
+                        </a:rPr>
+                        <a:t>Test the API's response when provided with invalid authentication credentials, ensuring it consistently returns a "401 Unauthorized" status code as expected.</a:t>
+                      </a:r>
+                      <a:endParaRPr lang="en-IN" sz="1400" b="0" dirty="0">
+                        <a:latin typeface="Arial" panose="020B0604020202020204" pitchFamily="34" charset="0"/>
+                        <a:cs typeface="Arial" panose="020B0604020202020204" pitchFamily="34" charset="0"/>
+                      </a:endParaRPr>
+                    </a:p>
+                  </a:txBody>
+                  <a:tcPr/>
+                </a:tc>
+                <a:extLst>
+                  <a:ext uri="{0D108BD9-81ED-4DB2-BD59-A6C34878D82A}">
+                    <a16:rowId xmlns:a16="http://schemas.microsoft.com/office/drawing/2014/main" val="1777141060"/>
+                  </a:ext>
+                </a:extLst>
+              </a:tr>
+              <a:tr h="348774">
+                <a:tc vMerge="1">
+                  <a:txBody>
+                    <a:bodyPr/>
+                    <a:lstStyle/>
+                    <a:p>
+                      <a:pPr algn="l"/>
+                      <a:endParaRPr lang="en-IN" sz="1400" b="0" dirty="0">
+                        <a:latin typeface="Arial" panose="020B0604020202020204" pitchFamily="34" charset="0"/>
+                        <a:cs typeface="Arial" panose="020B0604020202020204" pitchFamily="34" charset="0"/>
+                      </a:endParaRPr>
+                    </a:p>
+                  </a:txBody>
+                  <a:tcPr/>
+                </a:tc>
+                <a:tc>
+                  <a:txBody>
+                    <a:bodyPr/>
+                    <a:lstStyle/>
+                    <a:p>
+                      <a:pPr algn="l"/>
+                      <a:r>
+                        <a:rPr lang="en-US" sz="1400" b="0" i="0" kern="1200" dirty="0">
+                          <a:solidFill>
+                            <a:schemeClr val="dk1"/>
+                          </a:solidFill>
+                          <a:effectLst/>
+                          <a:latin typeface="Arial" panose="020B0604020202020204" pitchFamily="34" charset="0"/>
+                          <a:ea typeface="+mn-ea"/>
+                          <a:cs typeface="Arial" panose="020B0604020202020204" pitchFamily="34" charset="0"/>
+                        </a:rPr>
+                        <a:t>Graceful Handling of Missing or Invalid Parameters</a:t>
+                      </a:r>
+                      <a:endParaRPr lang="en-IN" sz="1400" b="0" dirty="0">
+                        <a:latin typeface="Arial" panose="020B0604020202020204" pitchFamily="34" charset="0"/>
+                        <a:cs typeface="Arial" panose="020B0604020202020204" pitchFamily="34" charset="0"/>
+                      </a:endParaRPr>
+                    </a:p>
+                  </a:txBody>
+                  <a:tcPr/>
+                </a:tc>
+                <a:tc>
+                  <a:txBody>
+                    <a:bodyPr/>
+                    <a:lstStyle/>
+                    <a:p>
+                      <a:pPr algn="l"/>
+                      <a:r>
+                        <a:rPr lang="en-US" sz="1400" b="0" i="0" kern="1200" dirty="0">
+                          <a:solidFill>
+                            <a:schemeClr val="dk1"/>
+                          </a:solidFill>
+                          <a:effectLst/>
+                          <a:latin typeface="Arial" panose="020B0604020202020204" pitchFamily="34" charset="0"/>
+                          <a:ea typeface="+mn-ea"/>
+                          <a:cs typeface="Arial" panose="020B0604020202020204" pitchFamily="34" charset="0"/>
+                        </a:rPr>
+                        <a:t>Verify that the API handles missing or invalid request parameters gracefully and returns clear and user-friendly error messages that aid in troubleshooting.</a:t>
+                      </a:r>
+                      <a:endParaRPr lang="en-IN" sz="1400" b="0" dirty="0">
+                        <a:latin typeface="Arial" panose="020B0604020202020204" pitchFamily="34" charset="0"/>
+                        <a:cs typeface="Arial" panose="020B0604020202020204" pitchFamily="34" charset="0"/>
+                      </a:endParaRPr>
+                    </a:p>
+                  </a:txBody>
+                  <a:tcPr/>
+                </a:tc>
+                <a:extLst>
+                  <a:ext uri="{0D108BD9-81ED-4DB2-BD59-A6C34878D82A}">
+                    <a16:rowId xmlns:a16="http://schemas.microsoft.com/office/drawing/2014/main" val="632578341"/>
+                  </a:ext>
+                </a:extLst>
+              </a:tr>
+              <a:tr h="348774">
+                <a:tc vMerge="1">
+                  <a:txBody>
+                    <a:bodyPr/>
+                    <a:lstStyle/>
+                    <a:p>
+                      <a:pPr algn="l"/>
+                      <a:endParaRPr lang="en-IN" sz="1400" b="0" dirty="0">
+                        <a:latin typeface="Arial" panose="020B0604020202020204" pitchFamily="34" charset="0"/>
+                        <a:cs typeface="Arial" panose="020B0604020202020204" pitchFamily="34" charset="0"/>
+                      </a:endParaRPr>
+                    </a:p>
+                  </a:txBody>
+                  <a:tcPr/>
+                </a:tc>
+                <a:tc>
+                  <a:txBody>
+                    <a:bodyPr/>
+                    <a:lstStyle/>
+                    <a:p>
+                      <a:pPr algn="l"/>
+                      <a:r>
+                        <a:rPr lang="fr-FR" sz="1400" b="0" i="0" kern="1200" dirty="0">
+                          <a:solidFill>
+                            <a:schemeClr val="dk1"/>
+                          </a:solidFill>
+                          <a:effectLst/>
+                          <a:latin typeface="Arial" panose="020B0604020202020204" pitchFamily="34" charset="0"/>
+                          <a:ea typeface="+mn-ea"/>
+                          <a:cs typeface="Arial" panose="020B0604020202020204" pitchFamily="34" charset="0"/>
+                        </a:rPr>
+                        <a:t>Response Format Adherence (JSON/XML)</a:t>
+                      </a:r>
+                      <a:endParaRPr lang="en-IN" sz="1400" b="0" dirty="0">
+                        <a:latin typeface="Arial" panose="020B0604020202020204" pitchFamily="34" charset="0"/>
+                        <a:cs typeface="Arial" panose="020B0604020202020204" pitchFamily="34" charset="0"/>
+                      </a:endParaRPr>
+                    </a:p>
+                  </a:txBody>
+                  <a:tcPr/>
+                </a:tc>
+                <a:tc>
+                  <a:txBody>
+                    <a:bodyPr/>
+                    <a:lstStyle/>
+                    <a:p>
+                      <a:pPr algn="l"/>
+                      <a:r>
+                        <a:rPr lang="en-US" sz="1400" b="0" i="0" kern="1200" dirty="0">
+                          <a:solidFill>
+                            <a:schemeClr val="dk1"/>
+                          </a:solidFill>
+                          <a:effectLst/>
+                          <a:latin typeface="Arial" panose="020B0604020202020204" pitchFamily="34" charset="0"/>
+                          <a:ea typeface="+mn-ea"/>
+                          <a:cs typeface="Arial" panose="020B0604020202020204" pitchFamily="34" charset="0"/>
+                        </a:rPr>
+                        <a:t>Ensure that the API consistently returns responses in the specified format (e.g., JSON or XML) and adheres to the defined schema for data structure.</a:t>
+                      </a:r>
+                      <a:endParaRPr lang="en-IN" sz="1400" b="0" dirty="0">
+                        <a:latin typeface="Arial" panose="020B0604020202020204" pitchFamily="34" charset="0"/>
+                        <a:cs typeface="Arial" panose="020B0604020202020204" pitchFamily="34" charset="0"/>
+                      </a:endParaRPr>
+                    </a:p>
+                  </a:txBody>
+                  <a:tcPr/>
+                </a:tc>
+                <a:extLst>
+                  <a:ext uri="{0D108BD9-81ED-4DB2-BD59-A6C34878D82A}">
+                    <a16:rowId xmlns:a16="http://schemas.microsoft.com/office/drawing/2014/main" val="423286424"/>
+                  </a:ext>
+                </a:extLst>
+              </a:tr>
+              <a:tr h="348774">
+                <a:tc>
+                  <a:txBody>
+                    <a:bodyPr/>
+                    <a:lstStyle/>
+                    <a:p>
+                      <a:pPr marL="0" marR="0" lvl="0" indent="0" algn="l" defTabSz="914400" rtl="0" eaLnBrk="1" fontAlgn="auto" latinLnBrk="0" hangingPunct="1">
+                        <a:lnSpc>
+                          <a:spcPct val="100000"/>
+                        </a:lnSpc>
+                        <a:spcBef>
+                          <a:spcPts val="0"/>
+                        </a:spcBef>
+                        <a:spcAft>
+                          <a:spcPts val="0"/>
+                        </a:spcAft>
+                        <a:buClrTx/>
+                        <a:buSzTx/>
+                        <a:buFontTx/>
+                        <a:buNone/>
+                        <a:tabLst/>
+                        <a:defRPr/>
+                      </a:pPr>
+                      <a:r>
+                        <a:rPr lang="en-IN" sz="1400" b="0" i="0" u="none" strike="noStrike" kern="1200" dirty="0">
+                          <a:solidFill>
+                            <a:schemeClr val="dk1"/>
+                          </a:solidFill>
+                          <a:effectLst/>
+                          <a:latin typeface="Arial" panose="020B0604020202020204" pitchFamily="34" charset="0"/>
+                          <a:ea typeface="+mn-ea"/>
+                          <a:cs typeface="Arial" panose="020B0604020202020204" pitchFamily="34" charset="0"/>
+                        </a:rPr>
+                        <a:t>Performance Testing</a:t>
+                      </a:r>
+                      <a:endParaRPr lang="en-IN" sz="1400" b="0" i="0" kern="1200" dirty="0">
+                        <a:solidFill>
+                          <a:schemeClr val="dk1"/>
+                        </a:solidFill>
+                        <a:effectLst/>
+                        <a:latin typeface="Arial" panose="020B0604020202020204" pitchFamily="34" charset="0"/>
+                        <a:ea typeface="+mn-ea"/>
+                        <a:cs typeface="Arial" panose="020B0604020202020204" pitchFamily="34" charset="0"/>
+                      </a:endParaRPr>
+                    </a:p>
+                  </a:txBody>
+                  <a:tcPr/>
+                </a:tc>
+                <a:tc>
+                  <a:txBody>
+                    <a:bodyPr/>
+                    <a:lstStyle/>
+                    <a:p>
+                      <a:pPr algn="l"/>
+                      <a:r>
+                        <a:rPr lang="en-IN" sz="1400" b="0" i="0" kern="1200" dirty="0">
+                          <a:solidFill>
+                            <a:schemeClr val="dk1"/>
+                          </a:solidFill>
+                          <a:effectLst/>
+                          <a:latin typeface="Arial" panose="020B0604020202020204" pitchFamily="34" charset="0"/>
+                          <a:ea typeface="+mn-ea"/>
+                          <a:cs typeface="Arial" panose="020B0604020202020204" pitchFamily="34" charset="0"/>
+                        </a:rPr>
+                        <a:t>Baseline Response Time</a:t>
+                      </a:r>
+                      <a:endParaRPr lang="en-IN" sz="1400" b="0" dirty="0">
+                        <a:latin typeface="Arial" panose="020B0604020202020204" pitchFamily="34" charset="0"/>
+                        <a:cs typeface="Arial" panose="020B0604020202020204" pitchFamily="34" charset="0"/>
+                      </a:endParaRPr>
+                    </a:p>
+                  </a:txBody>
+                  <a:tcPr/>
+                </a:tc>
+                <a:tc>
+                  <a:txBody>
+                    <a:bodyPr/>
+                    <a:lstStyle/>
+                    <a:p>
+                      <a:pPr algn="l"/>
+                      <a:r>
+                        <a:rPr lang="en-US" sz="1400" b="0" i="0" kern="1200" dirty="0">
+                          <a:solidFill>
+                            <a:schemeClr val="dk1"/>
+                          </a:solidFill>
+                          <a:effectLst/>
+                          <a:latin typeface="Arial" panose="020B0604020202020204" pitchFamily="34" charset="0"/>
+                          <a:ea typeface="+mn-ea"/>
+                          <a:cs typeface="Arial" panose="020B0604020202020204" pitchFamily="34" charset="0"/>
+                        </a:rPr>
+                        <a:t>Measure the response time of a simple API request under normal conditions to establish a performance baseline.</a:t>
+                      </a:r>
+                      <a:endParaRPr lang="en-IN" sz="1400" b="0" dirty="0">
+                        <a:latin typeface="Arial" panose="020B0604020202020204" pitchFamily="34" charset="0"/>
+                        <a:cs typeface="Arial" panose="020B0604020202020204" pitchFamily="34" charset="0"/>
+                      </a:endParaRPr>
+                    </a:p>
+                  </a:txBody>
+                  <a:tcPr/>
+                </a:tc>
+                <a:extLst>
+                  <a:ext uri="{0D108BD9-81ED-4DB2-BD59-A6C34878D82A}">
+                    <a16:rowId xmlns:a16="http://schemas.microsoft.com/office/drawing/2014/main" val="2248992906"/>
+                  </a:ext>
+                </a:extLst>
+              </a:tr>
+            </a:tbl>
+          </a:graphicData>
+        </a:graphic>
+      </p:graphicFrame>
+    </p:spTree>
+    <p:extLst>
+      <p:ext uri="{BB962C8B-B14F-4D97-AF65-F5344CB8AC3E}">
+        <p14:creationId xmlns:p14="http://schemas.microsoft.com/office/powerpoint/2010/main" val="3387556545"/>
+      </p:ext>
+    </p:extLst>
+  </p:cSld>
+  <p:clrMapOvr>
+    <a:masterClrMapping/>
+  </p:clrMapOvr>
+</p:sld>
+</file>
+
+<file path=ppt/slides/slide21.xml><?xml version="1.0" encoding="utf-8"?>
+<p:sld xmlns:a="http://schemas.openxmlformats.org/drawingml/2006/main" xmlns:r="http://schemas.openxmlformats.org/officeDocument/2006/relationships" xmlns:p="http://schemas.openxmlformats.org/presentationml/2006/main">
+  <p:cSld>
+    <p:spTree>
+      <p:nvGrpSpPr>
+        <p:cNvPr id="1" name=""/>
+        <p:cNvGrpSpPr/>
+        <p:nvPr/>
+      </p:nvGrpSpPr>
+      <p:grpSpPr>
+        <a:xfrm>
+          <a:off x="0" y="0"/>
+          <a:ext cx="0" cy="0"/>
+          <a:chOff x="0" y="0"/>
+          <a:chExt cx="0" cy="0"/>
+        </a:xfrm>
+      </p:grpSpPr>
+      <p:sp>
+        <p:nvSpPr>
+          <p:cNvPr id="2" name="TextBox 1">
+            <a:extLst>
+              <a:ext uri="{FF2B5EF4-FFF2-40B4-BE49-F238E27FC236}">
+                <a16:creationId xmlns:a16="http://schemas.microsoft.com/office/drawing/2014/main" id="{EC8C918F-4E84-B19E-5648-8596811A72C5}"/>
+              </a:ext>
+            </a:extLst>
+          </p:cNvPr>
+          <p:cNvSpPr txBox="1"/>
+          <p:nvPr/>
+        </p:nvSpPr>
+        <p:spPr>
+          <a:xfrm>
+            <a:off x="452063" y="493159"/>
+            <a:ext cx="11301573" cy="1754326"/>
+          </a:xfrm>
+          <a:prstGeom prst="rect">
+            <a:avLst/>
+          </a:prstGeom>
+          <a:noFill/>
+        </p:spPr>
+        <p:txBody>
+          <a:bodyPr wrap="square" rtlCol="0">
+            <a:spAutoFit/>
+          </a:bodyPr>
+          <a:lstStyle/>
+          <a:p>
+            <a:pPr marL="285750" indent="-285750">
+              <a:buFont typeface="Arial" panose="020B0604020202020204" pitchFamily="34" charset="0"/>
+              <a:buChar char="•"/>
+            </a:pPr>
+            <a:r>
+              <a:rPr lang="en-US" dirty="0">
+                <a:latin typeface="Arial" panose="020B0604020202020204" pitchFamily="34" charset="0"/>
+                <a:cs typeface="Arial" panose="020B0604020202020204" pitchFamily="34" charset="0"/>
+              </a:rPr>
+              <a:t>Explain how you do performance, scalability and fault tolerance testing and use tables and/or figures to show the results </a:t>
+            </a:r>
+          </a:p>
+          <a:p>
+            <a:pPr marL="285750" indent="-285750">
+              <a:buFont typeface="Arial" panose="020B0604020202020204" pitchFamily="34" charset="0"/>
+              <a:buChar char="•"/>
+            </a:pPr>
+            <a:r>
+              <a:rPr lang="en-US" dirty="0">
+                <a:latin typeface="Arial" panose="020B0604020202020204" pitchFamily="34" charset="0"/>
+                <a:cs typeface="Arial" panose="020B0604020202020204" pitchFamily="34" charset="0"/>
+              </a:rPr>
+              <a:t>Show a piece of test code or test script that system testing is performed </a:t>
+            </a:r>
+          </a:p>
+          <a:p>
+            <a:pPr marL="285750" indent="-285750">
+              <a:buFont typeface="Arial" panose="020B0604020202020204" pitchFamily="34" charset="0"/>
+              <a:buChar char="•"/>
+            </a:pPr>
+            <a:r>
+              <a:rPr lang="en-US" dirty="0">
+                <a:latin typeface="Arial" panose="020B0604020202020204" pitchFamily="34" charset="0"/>
+                <a:cs typeface="Arial" panose="020B0604020202020204" pitchFamily="34" charset="0"/>
+              </a:rPr>
+              <a:t>State what are the APIs from other systems used and APIs you provided to other subsystems (state which API are stubs)</a:t>
+            </a:r>
+            <a:endParaRPr lang="en-IN" dirty="0">
+              <a:latin typeface="Arial" panose="020B0604020202020204" pitchFamily="34" charset="0"/>
+              <a:cs typeface="Arial" panose="020B0604020202020204" pitchFamily="34" charset="0"/>
+            </a:endParaRPr>
+          </a:p>
+          <a:p>
+            <a:pPr marL="285750" indent="-285750">
+              <a:buFont typeface="Arial" panose="020B0604020202020204" pitchFamily="34" charset="0"/>
+              <a:buChar char="•"/>
+            </a:pPr>
+            <a:endParaRPr lang="en-IN" dirty="0"/>
+          </a:p>
+        </p:txBody>
+      </p:sp>
+      <p:graphicFrame>
+        <p:nvGraphicFramePr>
+          <p:cNvPr id="3" name="Table 2">
+            <a:extLst>
+              <a:ext uri="{FF2B5EF4-FFF2-40B4-BE49-F238E27FC236}">
+                <a16:creationId xmlns:a16="http://schemas.microsoft.com/office/drawing/2014/main" id="{9182C83C-C085-1C87-8D65-A7C8EE1A382A}"/>
+              </a:ext>
+            </a:extLst>
+          </p:cNvPr>
+          <p:cNvGraphicFramePr>
+            <a:graphicFrameLocks noGrp="1"/>
+          </p:cNvGraphicFramePr>
+          <p:nvPr>
+            <p:extLst>
+              <p:ext uri="{D42A27DB-BD31-4B8C-83A1-F6EECF244321}">
+                <p14:modId xmlns:p14="http://schemas.microsoft.com/office/powerpoint/2010/main" val="1866499124"/>
+              </p:ext>
+            </p:extLst>
+          </p:nvPr>
+        </p:nvGraphicFramePr>
+        <p:xfrm>
+          <a:off x="634714" y="2086129"/>
+          <a:ext cx="11105223" cy="1676400"/>
+        </p:xfrm>
+        <a:graphic>
+          <a:graphicData uri="http://schemas.openxmlformats.org/drawingml/2006/table">
+            <a:tbl>
+              <a:tblPr firstRow="1" bandRow="1">
+                <a:tableStyleId>{5C22544A-7EE6-4342-B048-85BDC9FD1C3A}</a:tableStyleId>
+              </a:tblPr>
+              <a:tblGrid>
+                <a:gridCol w="3701741">
+                  <a:extLst>
+                    <a:ext uri="{9D8B030D-6E8A-4147-A177-3AD203B41FA5}">
+                      <a16:colId xmlns:a16="http://schemas.microsoft.com/office/drawing/2014/main" val="3027371235"/>
+                    </a:ext>
+                  </a:extLst>
+                </a:gridCol>
+                <a:gridCol w="3701741">
+                  <a:extLst>
+                    <a:ext uri="{9D8B030D-6E8A-4147-A177-3AD203B41FA5}">
+                      <a16:colId xmlns:a16="http://schemas.microsoft.com/office/drawing/2014/main" val="3189572052"/>
+                    </a:ext>
+                  </a:extLst>
+                </a:gridCol>
+                <a:gridCol w="3701741">
+                  <a:extLst>
+                    <a:ext uri="{9D8B030D-6E8A-4147-A177-3AD203B41FA5}">
+                      <a16:colId xmlns:a16="http://schemas.microsoft.com/office/drawing/2014/main" val="2623679459"/>
+                    </a:ext>
+                  </a:extLst>
+                </a:gridCol>
+              </a:tblGrid>
+              <a:tr h="370840">
+                <a:tc>
+                  <a:txBody>
+                    <a:bodyPr/>
+                    <a:lstStyle/>
+                    <a:p>
+                      <a:endParaRPr lang="en-IN" sz="1400" b="0" dirty="0">
+                        <a:latin typeface="Arial" panose="020B0604020202020204" pitchFamily="34" charset="0"/>
+                        <a:cs typeface="Arial" panose="020B0604020202020204" pitchFamily="34" charset="0"/>
+                      </a:endParaRPr>
+                    </a:p>
+                  </a:txBody>
+                  <a:tcPr/>
+                </a:tc>
+                <a:tc>
+                  <a:txBody>
+                    <a:bodyPr/>
+                    <a:lstStyle/>
+                    <a:p>
+                      <a:pPr marL="0" marR="0" lvl="0" indent="0" algn="l" defTabSz="914400" rtl="0" eaLnBrk="1" fontAlgn="auto" latinLnBrk="0" hangingPunct="1">
+                        <a:lnSpc>
+                          <a:spcPct val="100000"/>
+                        </a:lnSpc>
+                        <a:spcBef>
+                          <a:spcPts val="0"/>
+                        </a:spcBef>
+                        <a:spcAft>
+                          <a:spcPts val="0"/>
+                        </a:spcAft>
+                        <a:buClrTx/>
+                        <a:buSzTx/>
+                        <a:buFontTx/>
+                        <a:buNone/>
+                        <a:tabLst/>
+                        <a:defRPr/>
+                      </a:pPr>
+                      <a:r>
+                        <a:rPr lang="en-IN" sz="1400" b="0" dirty="0">
+                          <a:latin typeface="Arial" panose="020B0604020202020204" pitchFamily="34" charset="0"/>
+                          <a:cs typeface="Arial" panose="020B0604020202020204" pitchFamily="34" charset="0"/>
+                        </a:rPr>
+                        <a:t>Test Cases</a:t>
+                      </a:r>
+                    </a:p>
+                    <a:p>
+                      <a:endParaRPr lang="en-IN" sz="1400" b="0" dirty="0">
+                        <a:latin typeface="Arial" panose="020B0604020202020204" pitchFamily="34" charset="0"/>
+                        <a:cs typeface="Arial" panose="020B0604020202020204" pitchFamily="34" charset="0"/>
+                      </a:endParaRPr>
+                    </a:p>
+                  </a:txBody>
+                  <a:tcPr/>
+                </a:tc>
+                <a:tc>
+                  <a:txBody>
+                    <a:bodyPr/>
+                    <a:lstStyle/>
+                    <a:p>
+                      <a:pPr marL="0" marR="0" lvl="0" indent="0" algn="l" defTabSz="914400" rtl="0" eaLnBrk="1" fontAlgn="auto" latinLnBrk="0" hangingPunct="1">
+                        <a:lnSpc>
+                          <a:spcPct val="100000"/>
+                        </a:lnSpc>
+                        <a:spcBef>
+                          <a:spcPts val="0"/>
+                        </a:spcBef>
+                        <a:spcAft>
+                          <a:spcPts val="0"/>
+                        </a:spcAft>
+                        <a:buClrTx/>
+                        <a:buSzTx/>
+                        <a:buFontTx/>
+                        <a:buNone/>
+                        <a:tabLst/>
+                        <a:defRPr/>
+                      </a:pPr>
+                      <a:r>
+                        <a:rPr lang="en-IN" sz="1400" b="0" dirty="0">
+                          <a:latin typeface="Arial" panose="020B0604020202020204" pitchFamily="34" charset="0"/>
+                          <a:cs typeface="Arial" panose="020B0604020202020204" pitchFamily="34" charset="0"/>
+                        </a:rPr>
+                        <a:t>Description</a:t>
+                      </a:r>
+                    </a:p>
+                    <a:p>
+                      <a:endParaRPr lang="en-IN" sz="1400" b="0" dirty="0">
+                        <a:latin typeface="Arial" panose="020B0604020202020204" pitchFamily="34" charset="0"/>
+                        <a:cs typeface="Arial" panose="020B0604020202020204" pitchFamily="34" charset="0"/>
+                      </a:endParaRPr>
+                    </a:p>
+                  </a:txBody>
+                  <a:tcPr/>
+                </a:tc>
+                <a:extLst>
+                  <a:ext uri="{0D108BD9-81ED-4DB2-BD59-A6C34878D82A}">
+                    <a16:rowId xmlns:a16="http://schemas.microsoft.com/office/drawing/2014/main" val="1034737667"/>
+                  </a:ext>
+                </a:extLst>
+              </a:tr>
+              <a:tr h="370840">
+                <a:tc>
+                  <a:txBody>
+                    <a:bodyPr/>
+                    <a:lstStyle/>
+                    <a:p>
+                      <a:r>
+                        <a:rPr lang="en-IN" sz="1400" b="0" dirty="0">
+                          <a:latin typeface="Arial" panose="020B0604020202020204" pitchFamily="34" charset="0"/>
+                          <a:cs typeface="Arial" panose="020B0604020202020204" pitchFamily="34" charset="0"/>
+                        </a:rPr>
+                        <a:t>Scalability Testing</a:t>
+                      </a:r>
+                    </a:p>
+                  </a:txBody>
+                  <a:tcPr/>
+                </a:tc>
+                <a:tc>
+                  <a:txBody>
+                    <a:bodyPr/>
+                    <a:lstStyle/>
+                    <a:p>
+                      <a:r>
+                        <a:rPr lang="en-IN" sz="1400" b="0" i="0" kern="1200" dirty="0">
+                          <a:solidFill>
+                            <a:schemeClr val="dk1"/>
+                          </a:solidFill>
+                          <a:effectLst/>
+                          <a:latin typeface="Arial" panose="020B0604020202020204" pitchFamily="34" charset="0"/>
+                          <a:ea typeface="+mn-ea"/>
+                          <a:cs typeface="Arial" panose="020B0604020202020204" pitchFamily="34" charset="0"/>
+                        </a:rPr>
+                        <a:t>Response Time</a:t>
+                      </a:r>
+                      <a:endParaRPr lang="en-IN" sz="1400" b="0" dirty="0">
+                        <a:latin typeface="Arial" panose="020B0604020202020204" pitchFamily="34" charset="0"/>
+                        <a:cs typeface="Arial" panose="020B0604020202020204" pitchFamily="34" charset="0"/>
+                      </a:endParaRPr>
+                    </a:p>
+                  </a:txBody>
+                  <a:tcPr/>
+                </a:tc>
+                <a:tc>
+                  <a:txBody>
+                    <a:bodyPr/>
+                    <a:lstStyle/>
+                    <a:p>
+                      <a:r>
+                        <a:rPr lang="en-US" sz="1400" b="0" i="0" kern="1200" dirty="0">
+                          <a:solidFill>
+                            <a:schemeClr val="dk1"/>
+                          </a:solidFill>
+                          <a:effectLst/>
+                          <a:latin typeface="Arial" panose="020B0604020202020204" pitchFamily="34" charset="0"/>
+                          <a:ea typeface="+mn-ea"/>
+                          <a:cs typeface="Arial" panose="020B0604020202020204" pitchFamily="34" charset="0"/>
+                        </a:rPr>
+                        <a:t>Response time is the time consumed between the user’s request and the application’s response, response time is less between 2-5 seconds for fetching 100+ records.</a:t>
+                      </a:r>
+                      <a:endParaRPr lang="en-IN" sz="1400" b="0" dirty="0">
+                        <a:latin typeface="Arial" panose="020B0604020202020204" pitchFamily="34" charset="0"/>
+                        <a:cs typeface="Arial" panose="020B0604020202020204" pitchFamily="34" charset="0"/>
+                      </a:endParaRPr>
+                    </a:p>
+                  </a:txBody>
+                  <a:tcPr/>
+                </a:tc>
+                <a:extLst>
+                  <a:ext uri="{0D108BD9-81ED-4DB2-BD59-A6C34878D82A}">
+                    <a16:rowId xmlns:a16="http://schemas.microsoft.com/office/drawing/2014/main" val="3692357542"/>
+                  </a:ext>
+                </a:extLst>
+              </a:tr>
+            </a:tbl>
+          </a:graphicData>
+        </a:graphic>
+      </p:graphicFrame>
+    </p:spTree>
+    <p:extLst>
+      <p:ext uri="{BB962C8B-B14F-4D97-AF65-F5344CB8AC3E}">
+        <p14:creationId xmlns:p14="http://schemas.microsoft.com/office/powerpoint/2010/main" val="3486620029"/>
+      </p:ext>
+    </p:extLst>
+  </p:cSld>
+  <p:clrMapOvr>
+    <a:masterClrMapping/>
+  </p:clrMapOvr>
+</p:sld>
+</file>
+
+<file path=ppt/slides/slide22.xml><?xml version="1.0" encoding="utf-8"?>
+<p:sld xmlns:a="http://schemas.openxmlformats.org/drawingml/2006/main" xmlns:r="http://schemas.openxmlformats.org/officeDocument/2006/relationships" xmlns:p="http://schemas.openxmlformats.org/presentationml/2006/main">
+  <p:cSld>
+    <p:spTree>
+      <p:nvGrpSpPr>
+        <p:cNvPr id="1" name=""/>
+        <p:cNvGrpSpPr/>
+        <p:nvPr/>
+      </p:nvGrpSpPr>
+      <p:grpSpPr>
+        <a:xfrm>
+          <a:off x="0" y="0"/>
+          <a:ext cx="0" cy="0"/>
+          <a:chOff x="0" y="0"/>
+          <a:chExt cx="0" cy="0"/>
+        </a:xfrm>
+      </p:grpSpPr>
+      <p:sp>
+        <p:nvSpPr>
+          <p:cNvPr id="2" name="TextBox 1">
+            <a:extLst>
+              <a:ext uri="{FF2B5EF4-FFF2-40B4-BE49-F238E27FC236}">
+                <a16:creationId xmlns:a16="http://schemas.microsoft.com/office/drawing/2014/main" id="{532B8B65-899A-3988-B6E1-3DC5048B5EE1}"/>
+              </a:ext>
+            </a:extLst>
+          </p:cNvPr>
+          <p:cNvSpPr txBox="1"/>
+          <p:nvPr/>
+        </p:nvSpPr>
+        <p:spPr>
+          <a:xfrm>
+            <a:off x="1325367" y="400694"/>
+            <a:ext cx="9698804" cy="461665"/>
+          </a:xfrm>
+          <a:prstGeom prst="rect">
+            <a:avLst/>
+          </a:prstGeom>
+          <a:noFill/>
+        </p:spPr>
+        <p:txBody>
+          <a:bodyPr wrap="square" rtlCol="0">
+            <a:spAutoFit/>
+          </a:bodyPr>
+          <a:lstStyle/>
+          <a:p>
+            <a:pPr algn="ctr"/>
+            <a:r>
+              <a:rPr lang="en-IN" sz="2400" dirty="0">
+                <a:latin typeface="Arial" panose="020B0604020202020204" pitchFamily="34" charset="0"/>
+                <a:cs typeface="Arial" panose="020B0604020202020204" pitchFamily="34" charset="0"/>
+              </a:rPr>
+              <a:t>Demonstration</a:t>
+            </a:r>
+          </a:p>
+        </p:txBody>
+      </p:sp>
+      <p:sp>
+        <p:nvSpPr>
+          <p:cNvPr id="3" name="TextBox 2">
+            <a:extLst>
+              <a:ext uri="{FF2B5EF4-FFF2-40B4-BE49-F238E27FC236}">
+                <a16:creationId xmlns:a16="http://schemas.microsoft.com/office/drawing/2014/main" id="{1A1F3638-F5F3-C0F9-CB10-69B7556B6F8A}"/>
+              </a:ext>
+            </a:extLst>
+          </p:cNvPr>
+          <p:cNvSpPr txBox="1"/>
+          <p:nvPr/>
+        </p:nvSpPr>
+        <p:spPr>
+          <a:xfrm>
+            <a:off x="657546" y="1387011"/>
+            <a:ext cx="10972800" cy="5078313"/>
+          </a:xfrm>
+          <a:prstGeom prst="rect">
+            <a:avLst/>
+          </a:prstGeom>
+          <a:noFill/>
+        </p:spPr>
+        <p:txBody>
+          <a:bodyPr wrap="square" rtlCol="0">
+            <a:spAutoFit/>
+          </a:bodyPr>
+          <a:lstStyle/>
+          <a:p>
+            <a:pPr marL="285750" indent="-285750">
+              <a:buFont typeface="Arial" panose="020B0604020202020204" pitchFamily="34" charset="0"/>
+              <a:buChar char="•"/>
+            </a:pPr>
+            <a:r>
+              <a:rPr lang="en-US" dirty="0">
+                <a:latin typeface="Arial" panose="020B0604020202020204" pitchFamily="34" charset="0"/>
+                <a:cs typeface="Arial" panose="020B0604020202020204" pitchFamily="34" charset="0"/>
+              </a:rPr>
+              <a:t>Show your GCP cluster setup</a:t>
+            </a:r>
+          </a:p>
+          <a:p>
+            <a:pPr marL="742950" lvl="1" indent="-285750">
+              <a:buFont typeface="Arial" panose="020B0604020202020204" pitchFamily="34" charset="0"/>
+              <a:buChar char="•"/>
+            </a:pPr>
+            <a:r>
+              <a:rPr lang="en-US" dirty="0">
+                <a:latin typeface="Arial" panose="020B0604020202020204" pitchFamily="34" charset="0"/>
+                <a:cs typeface="Arial" panose="020B0604020202020204" pitchFamily="34" charset="0"/>
+              </a:rPr>
+              <a:t>Followed following steps to create our AWS cloud environment to deploy our code on cloud:</a:t>
+            </a:r>
+          </a:p>
+          <a:p>
+            <a:pPr marL="1200150" lvl="2" indent="-285750">
+              <a:buFont typeface="Arial" panose="020B0604020202020204" pitchFamily="34" charset="0"/>
+              <a:buChar char="•"/>
+            </a:pPr>
+            <a:r>
+              <a:rPr lang="en-US" dirty="0">
+                <a:latin typeface="Arial" panose="020B0604020202020204" pitchFamily="34" charset="0"/>
+                <a:cs typeface="Arial" panose="020B0604020202020204" pitchFamily="34" charset="0"/>
+              </a:rPr>
+              <a:t>Created AWS(Amazon Web Services) account.</a:t>
+            </a:r>
+          </a:p>
+          <a:p>
+            <a:pPr marL="1200150" lvl="2" indent="-285750">
+              <a:buFont typeface="Arial" panose="020B0604020202020204" pitchFamily="34" charset="0"/>
+              <a:buChar char="•"/>
+            </a:pPr>
+            <a:r>
+              <a:rPr lang="en-US" dirty="0">
+                <a:latin typeface="Arial" panose="020B0604020202020204" pitchFamily="34" charset="0"/>
+                <a:cs typeface="Arial" panose="020B0604020202020204" pitchFamily="34" charset="0"/>
+              </a:rPr>
+              <a:t>Signed into AWS account console.</a:t>
+            </a:r>
+          </a:p>
+          <a:p>
+            <a:pPr marL="1200150" lvl="2" indent="-285750">
+              <a:buFont typeface="Arial" panose="020B0604020202020204" pitchFamily="34" charset="0"/>
+              <a:buChar char="•"/>
+            </a:pPr>
+            <a:r>
+              <a:rPr lang="en-US" dirty="0">
+                <a:latin typeface="Arial" panose="020B0604020202020204" pitchFamily="34" charset="0"/>
+                <a:cs typeface="Arial" panose="020B0604020202020204" pitchFamily="34" charset="0"/>
+              </a:rPr>
+              <a:t>Selected AWS Lambda </a:t>
+            </a:r>
+            <a:r>
+              <a:rPr lang="en-US" dirty="0" err="1">
+                <a:latin typeface="Arial" panose="020B0604020202020204" pitchFamily="34" charset="0"/>
+                <a:cs typeface="Arial" panose="020B0604020202020204" pitchFamily="34" charset="0"/>
+              </a:rPr>
+              <a:t>i.e</a:t>
+            </a:r>
+            <a:r>
+              <a:rPr lang="en-US" dirty="0">
+                <a:latin typeface="Arial" panose="020B0604020202020204" pitchFamily="34" charset="0"/>
+                <a:cs typeface="Arial" panose="020B0604020202020204" pitchFamily="34" charset="0"/>
+              </a:rPr>
+              <a:t> an event-driven, serverless computing platform.</a:t>
+            </a:r>
+          </a:p>
+          <a:p>
+            <a:pPr marL="1200150" lvl="2" indent="-285750">
+              <a:buFont typeface="Arial" panose="020B0604020202020204" pitchFamily="34" charset="0"/>
+              <a:buChar char="•"/>
+            </a:pPr>
+            <a:r>
+              <a:rPr lang="en-US" dirty="0">
+                <a:latin typeface="Arial" panose="020B0604020202020204" pitchFamily="34" charset="0"/>
+                <a:cs typeface="Arial" panose="020B0604020202020204" pitchFamily="34" charset="0"/>
+              </a:rPr>
+              <a:t>Uploaded our code zip file that contains all required dependencies(libraries) and all code files.</a:t>
+            </a:r>
+          </a:p>
+          <a:p>
+            <a:pPr marL="1200150" lvl="2" indent="-285750">
+              <a:buFont typeface="Arial" panose="020B0604020202020204" pitchFamily="34" charset="0"/>
+              <a:buChar char="•"/>
+            </a:pPr>
+            <a:r>
+              <a:rPr lang="en-US" dirty="0">
+                <a:latin typeface="Arial" panose="020B0604020202020204" pitchFamily="34" charset="0"/>
+                <a:cs typeface="Arial" panose="020B0604020202020204" pitchFamily="34" charset="0"/>
+              </a:rPr>
+              <a:t>Set handler file </a:t>
+            </a:r>
+            <a:r>
+              <a:rPr lang="en-US" dirty="0" err="1">
+                <a:latin typeface="Arial" panose="020B0604020202020204" pitchFamily="34" charset="0"/>
+                <a:cs typeface="Arial" panose="020B0604020202020204" pitchFamily="34" charset="0"/>
+              </a:rPr>
+              <a:t>i.e</a:t>
+            </a:r>
+            <a:r>
+              <a:rPr lang="en-US" dirty="0">
+                <a:latin typeface="Arial" panose="020B0604020202020204" pitchFamily="34" charset="0"/>
+                <a:cs typeface="Arial" panose="020B0604020202020204" pitchFamily="34" charset="0"/>
+              </a:rPr>
+              <a:t> </a:t>
+            </a:r>
+            <a:r>
+              <a:rPr lang="en-US" dirty="0" err="1">
+                <a:latin typeface="Arial" panose="020B0604020202020204" pitchFamily="34" charset="0"/>
+                <a:cs typeface="Arial" panose="020B0604020202020204" pitchFamily="34" charset="0"/>
+              </a:rPr>
+              <a:t>main.handler</a:t>
+            </a:r>
+            <a:r>
+              <a:rPr lang="en-US" dirty="0">
+                <a:latin typeface="Arial" panose="020B0604020202020204" pitchFamily="34" charset="0"/>
+                <a:cs typeface="Arial" panose="020B0604020202020204" pitchFamily="34" charset="0"/>
+              </a:rPr>
+              <a:t> under its Runtime settings, so that computing platform get to know project main file to execute first.</a:t>
+            </a:r>
+          </a:p>
+          <a:p>
+            <a:pPr marL="1200150" lvl="2" indent="-285750">
+              <a:buFont typeface="Arial" panose="020B0604020202020204" pitchFamily="34" charset="0"/>
+              <a:buChar char="•"/>
+            </a:pPr>
+            <a:r>
+              <a:rPr lang="en-US" dirty="0">
+                <a:latin typeface="Arial" panose="020B0604020202020204" pitchFamily="34" charset="0"/>
+                <a:cs typeface="Arial" panose="020B0604020202020204" pitchFamily="34" charset="0"/>
+              </a:rPr>
+              <a:t>Add https IP addresses to execute API’s URL for security purpose.</a:t>
+            </a:r>
+          </a:p>
+          <a:p>
+            <a:pPr marL="1200150" lvl="2" indent="-285750">
+              <a:buFont typeface="Arial" panose="020B0604020202020204" pitchFamily="34" charset="0"/>
+              <a:buChar char="•"/>
+            </a:pPr>
+            <a:r>
+              <a:rPr lang="en-US" dirty="0">
+                <a:latin typeface="Arial" panose="020B0604020202020204" pitchFamily="34" charset="0"/>
+                <a:cs typeface="Arial" panose="020B0604020202020204" pitchFamily="34" charset="0"/>
+              </a:rPr>
+              <a:t>Once above steps successfully completed, AWS will provide our project URL from where we can access our API’s.</a:t>
+            </a:r>
+          </a:p>
+          <a:p>
+            <a:pPr marL="285750" indent="-285750">
+              <a:buFont typeface="Arial" panose="020B0604020202020204" pitchFamily="34" charset="0"/>
+              <a:buChar char="•"/>
+            </a:pPr>
+            <a:r>
+              <a:rPr lang="en-US" dirty="0">
+                <a:latin typeface="Arial" panose="020B0604020202020204" pitchFamily="34" charset="0"/>
+                <a:cs typeface="Arial" panose="020B0604020202020204" pitchFamily="34" charset="0"/>
+              </a:rPr>
+              <a:t>Show the process of one functional testing </a:t>
+            </a:r>
+          </a:p>
+          <a:p>
+            <a:pPr marL="285750" indent="-285750">
+              <a:buFont typeface="Arial" panose="020B0604020202020204" pitchFamily="34" charset="0"/>
+              <a:buChar char="•"/>
+            </a:pPr>
+            <a:r>
+              <a:rPr lang="en-US" dirty="0">
+                <a:latin typeface="Arial" panose="020B0604020202020204" pitchFamily="34" charset="0"/>
+                <a:cs typeface="Arial" panose="020B0604020202020204" pitchFamily="34" charset="0"/>
+              </a:rPr>
+              <a:t>Show how your subsystem interact with other subsystems:</a:t>
+            </a:r>
+          </a:p>
+          <a:p>
+            <a:pPr marL="742950" lvl="1" indent="-285750">
+              <a:buFont typeface="Arial" panose="020B0604020202020204" pitchFamily="34" charset="0"/>
+              <a:buChar char="•"/>
+            </a:pPr>
+            <a:r>
+              <a:rPr lang="en-US" dirty="0">
+                <a:latin typeface="Arial" panose="020B0604020202020204" pitchFamily="34" charset="0"/>
+                <a:cs typeface="Arial" panose="020B0604020202020204" pitchFamily="34" charset="0"/>
+              </a:rPr>
+              <a:t>Following connection string received from MongoDB account and using it FastAPI project for interaction.</a:t>
+            </a:r>
+          </a:p>
+          <a:p>
+            <a:pPr marL="742950" lvl="1" indent="-285750">
+              <a:buFont typeface="Arial" panose="020B0604020202020204" pitchFamily="34" charset="0"/>
+              <a:buChar char="•"/>
+            </a:pPr>
+            <a:r>
+              <a:rPr lang="en-IN" b="0" dirty="0" err="1">
+                <a:solidFill>
+                  <a:srgbClr val="CCCCCC"/>
+                </a:solidFill>
+                <a:effectLst/>
+                <a:highlight>
+                  <a:srgbClr val="1F1F1F"/>
+                </a:highlight>
+                <a:latin typeface="Consolas" panose="020B0609020204030204" pitchFamily="49" charset="0"/>
+              </a:rPr>
+              <a:t>MongoClient</a:t>
+            </a:r>
+            <a:r>
+              <a:rPr lang="en-IN" b="0" dirty="0">
+                <a:solidFill>
+                  <a:srgbClr val="CCCCCC"/>
+                </a:solidFill>
+                <a:effectLst/>
+                <a:highlight>
+                  <a:srgbClr val="1F1F1F"/>
+                </a:highlight>
+                <a:latin typeface="Consolas" panose="020B0609020204030204" pitchFamily="49" charset="0"/>
+              </a:rPr>
+              <a:t>(</a:t>
+            </a:r>
+            <a:r>
+              <a:rPr lang="en-IN" b="0" dirty="0">
+                <a:solidFill>
+                  <a:srgbClr val="CE9178"/>
+                </a:solidFill>
+                <a:effectLst/>
+                <a:highlight>
+                  <a:srgbClr val="1F1F1F"/>
+                </a:highlight>
+                <a:latin typeface="Consolas" panose="020B0609020204030204" pitchFamily="49" charset="0"/>
+              </a:rPr>
+              <a:t>"</a:t>
+            </a:r>
+            <a:r>
+              <a:rPr lang="en-IN" b="0" dirty="0" err="1">
+                <a:solidFill>
+                  <a:srgbClr val="CE9178"/>
+                </a:solidFill>
+                <a:effectLst/>
+                <a:highlight>
+                  <a:srgbClr val="1F1F1F"/>
+                </a:highlight>
+                <a:latin typeface="Consolas" panose="020B0609020204030204" pitchFamily="49" charset="0"/>
+              </a:rPr>
+              <a:t>mongodb+srv</a:t>
+            </a:r>
+            <a:r>
+              <a:rPr lang="en-IN" b="0" dirty="0">
+                <a:solidFill>
+                  <a:srgbClr val="CE9178"/>
+                </a:solidFill>
+                <a:effectLst/>
+                <a:highlight>
+                  <a:srgbClr val="1F1F1F"/>
+                </a:highlight>
+                <a:latin typeface="Consolas" panose="020B0609020204030204" pitchFamily="49" charset="0"/>
+              </a:rPr>
+              <a:t>://"</a:t>
+            </a:r>
+            <a:r>
+              <a:rPr lang="en-IN" b="0" dirty="0">
+                <a:solidFill>
+                  <a:srgbClr val="D4D4D4"/>
+                </a:solidFill>
+                <a:effectLst/>
+                <a:highlight>
+                  <a:srgbClr val="1F1F1F"/>
+                </a:highlight>
+                <a:latin typeface="Consolas" panose="020B0609020204030204" pitchFamily="49" charset="0"/>
+              </a:rPr>
+              <a:t>+</a:t>
+            </a:r>
+            <a:r>
+              <a:rPr lang="en-IN" b="0" dirty="0" err="1">
+                <a:solidFill>
+                  <a:srgbClr val="CCCCCC"/>
+                </a:solidFill>
+                <a:effectLst/>
+                <a:highlight>
+                  <a:srgbClr val="1F1F1F"/>
+                </a:highlight>
+                <a:latin typeface="Consolas" panose="020B0609020204030204" pitchFamily="49" charset="0"/>
+              </a:rPr>
+              <a:t>mongo_user</a:t>
+            </a:r>
+            <a:r>
+              <a:rPr lang="en-IN" b="0" dirty="0">
+                <a:solidFill>
+                  <a:srgbClr val="D4D4D4"/>
+                </a:solidFill>
+                <a:effectLst/>
+                <a:highlight>
+                  <a:srgbClr val="1F1F1F"/>
+                </a:highlight>
+                <a:latin typeface="Consolas" panose="020B0609020204030204" pitchFamily="49" charset="0"/>
+              </a:rPr>
+              <a:t>+</a:t>
+            </a:r>
+            <a:r>
+              <a:rPr lang="en-IN" b="0" dirty="0">
+                <a:solidFill>
+                  <a:srgbClr val="CE9178"/>
+                </a:solidFill>
+                <a:effectLst/>
+                <a:highlight>
+                  <a:srgbClr val="1F1F1F"/>
+                </a:highlight>
+                <a:latin typeface="Consolas" panose="020B0609020204030204" pitchFamily="49" charset="0"/>
+              </a:rPr>
+              <a:t>":"</a:t>
+            </a:r>
+            <a:r>
+              <a:rPr lang="en-IN" b="0" dirty="0">
+                <a:solidFill>
+                  <a:srgbClr val="D4D4D4"/>
+                </a:solidFill>
+                <a:effectLst/>
+                <a:highlight>
+                  <a:srgbClr val="1F1F1F"/>
+                </a:highlight>
+                <a:latin typeface="Consolas" panose="020B0609020204030204" pitchFamily="49" charset="0"/>
+              </a:rPr>
+              <a:t>+</a:t>
+            </a:r>
+            <a:r>
+              <a:rPr lang="en-IN" b="0" dirty="0" err="1">
+                <a:solidFill>
+                  <a:srgbClr val="CCCCCC"/>
+                </a:solidFill>
+                <a:effectLst/>
+                <a:highlight>
+                  <a:srgbClr val="1F1F1F"/>
+                </a:highlight>
+                <a:latin typeface="Consolas" panose="020B0609020204030204" pitchFamily="49" charset="0"/>
+              </a:rPr>
+              <a:t>mongo_password</a:t>
+            </a:r>
+            <a:r>
+              <a:rPr lang="en-IN" b="0" dirty="0">
+                <a:solidFill>
+                  <a:srgbClr val="D4D4D4"/>
+                </a:solidFill>
+                <a:effectLst/>
+                <a:highlight>
+                  <a:srgbClr val="1F1F1F"/>
+                </a:highlight>
+                <a:latin typeface="Consolas" panose="020B0609020204030204" pitchFamily="49" charset="0"/>
+              </a:rPr>
+              <a:t>+</a:t>
+            </a:r>
+            <a:r>
+              <a:rPr lang="en-IN" b="0" dirty="0">
+                <a:solidFill>
+                  <a:srgbClr val="CE9178"/>
+                </a:solidFill>
+                <a:effectLst/>
+                <a:highlight>
+                  <a:srgbClr val="1F1F1F"/>
+                </a:highlight>
+                <a:latin typeface="Consolas" panose="020B0609020204030204" pitchFamily="49" charset="0"/>
+              </a:rPr>
+              <a:t>"@cluster-sk1.sx8umd5.mongodb.net/?</a:t>
+            </a:r>
+            <a:r>
+              <a:rPr lang="en-IN" b="0" dirty="0" err="1">
+                <a:solidFill>
+                  <a:srgbClr val="CE9178"/>
+                </a:solidFill>
+                <a:effectLst/>
+                <a:highlight>
+                  <a:srgbClr val="1F1F1F"/>
+                </a:highlight>
+                <a:latin typeface="Consolas" panose="020B0609020204030204" pitchFamily="49" charset="0"/>
+              </a:rPr>
+              <a:t>retryWrites</a:t>
+            </a:r>
+            <a:r>
+              <a:rPr lang="en-IN" b="0" dirty="0">
+                <a:solidFill>
+                  <a:srgbClr val="CE9178"/>
+                </a:solidFill>
+                <a:effectLst/>
+                <a:highlight>
+                  <a:srgbClr val="1F1F1F"/>
+                </a:highlight>
+                <a:latin typeface="Consolas" panose="020B0609020204030204" pitchFamily="49" charset="0"/>
+              </a:rPr>
+              <a:t>=</a:t>
+            </a:r>
+            <a:r>
+              <a:rPr lang="en-IN" b="0" dirty="0" err="1">
+                <a:solidFill>
+                  <a:srgbClr val="CE9178"/>
+                </a:solidFill>
+                <a:effectLst/>
+                <a:highlight>
+                  <a:srgbClr val="1F1F1F"/>
+                </a:highlight>
+                <a:latin typeface="Consolas" panose="020B0609020204030204" pitchFamily="49" charset="0"/>
+              </a:rPr>
+              <a:t>true&amp;w</a:t>
+            </a:r>
+            <a:r>
+              <a:rPr lang="en-IN" b="0" dirty="0">
+                <a:solidFill>
+                  <a:srgbClr val="CE9178"/>
+                </a:solidFill>
+                <a:effectLst/>
+                <a:highlight>
+                  <a:srgbClr val="1F1F1F"/>
+                </a:highlight>
+                <a:latin typeface="Consolas" panose="020B0609020204030204" pitchFamily="49" charset="0"/>
+              </a:rPr>
+              <a:t>=</a:t>
+            </a:r>
+            <a:r>
+              <a:rPr lang="en-IN" b="0" dirty="0" err="1">
+                <a:solidFill>
+                  <a:srgbClr val="CE9178"/>
+                </a:solidFill>
+                <a:effectLst/>
+                <a:highlight>
+                  <a:srgbClr val="1F1F1F"/>
+                </a:highlight>
+                <a:latin typeface="Consolas" panose="020B0609020204030204" pitchFamily="49" charset="0"/>
+              </a:rPr>
+              <a:t>majority&amp;appName</a:t>
+            </a:r>
+            <a:r>
+              <a:rPr lang="en-IN" b="0" dirty="0">
+                <a:solidFill>
+                  <a:srgbClr val="CE9178"/>
+                </a:solidFill>
+                <a:effectLst/>
+                <a:highlight>
+                  <a:srgbClr val="1F1F1F"/>
+                </a:highlight>
+                <a:latin typeface="Consolas" panose="020B0609020204030204" pitchFamily="49" charset="0"/>
+              </a:rPr>
+              <a:t>=Cluster-SK1"</a:t>
+            </a:r>
+            <a:r>
+              <a:rPr lang="en-IN" b="0" dirty="0">
+                <a:solidFill>
+                  <a:srgbClr val="CCCCCC"/>
+                </a:solidFill>
+                <a:effectLst/>
+                <a:highlight>
+                  <a:srgbClr val="1F1F1F"/>
+                </a:highlight>
+                <a:latin typeface="Consolas" panose="020B0609020204030204" pitchFamily="49" charset="0"/>
+              </a:rPr>
+              <a:t>)</a:t>
+            </a:r>
+          </a:p>
+          <a:p>
+            <a:pPr marL="742950" lvl="1" indent="-285750">
+              <a:buFont typeface="Arial" panose="020B0604020202020204" pitchFamily="34" charset="0"/>
+              <a:buChar char="•"/>
+            </a:pPr>
+            <a:endParaRPr lang="en-IN" dirty="0">
+              <a:latin typeface="Arial" panose="020B0604020202020204" pitchFamily="34" charset="0"/>
+              <a:cs typeface="Arial" panose="020B0604020202020204" pitchFamily="34" charset="0"/>
+            </a:endParaRPr>
+          </a:p>
+        </p:txBody>
+      </p:sp>
+    </p:spTree>
+    <p:extLst>
+      <p:ext uri="{BB962C8B-B14F-4D97-AF65-F5344CB8AC3E}">
+        <p14:creationId xmlns:p14="http://schemas.microsoft.com/office/powerpoint/2010/main" val="685996554"/>
       </p:ext>
     </p:extLst>
   </p:cSld>

--- a/simran_presentation/COMP7033 Coursework.pptx
+++ b/simran_presentation/COMP7033 Coursework.pptx
@@ -1542,7 +1542,7 @@
           <a:p>
             <a:fld id="{1C8D6449-44BE-4375-B03D-85825BCA7067}" type="datetimeFigureOut">
               <a:rPr lang="en-IN" smtClean="0"/>
-              <a:t>03-05-2024</a:t>
+              <a:t>07-05-2024</a:t>
             </a:fld>
             <a:endParaRPr lang="en-IN"/>
           </a:p>
@@ -3001,7 +3001,7 @@
           <a:p>
             <a:fld id="{1C8D6449-44BE-4375-B03D-85825BCA7067}" type="datetimeFigureOut">
               <a:rPr lang="en-IN" smtClean="0"/>
-              <a:t>03-05-2024</a:t>
+              <a:t>07-05-2024</a:t>
             </a:fld>
             <a:endParaRPr lang="en-IN"/>
           </a:p>
@@ -4454,7 +4454,7 @@
           <a:p>
             <a:fld id="{1C8D6449-44BE-4375-B03D-85825BCA7067}" type="datetimeFigureOut">
               <a:rPr lang="en-IN" smtClean="0"/>
-              <a:t>03-05-2024</a:t>
+              <a:t>07-05-2024</a:t>
             </a:fld>
             <a:endParaRPr lang="en-IN"/>
           </a:p>
@@ -5909,7 +5909,7 @@
           <a:p>
             <a:fld id="{1C8D6449-44BE-4375-B03D-85825BCA7067}" type="datetimeFigureOut">
               <a:rPr lang="en-IN" smtClean="0"/>
-              <a:t>03-05-2024</a:t>
+              <a:t>07-05-2024</a:t>
             </a:fld>
             <a:endParaRPr lang="en-IN"/>
           </a:p>
@@ -7417,7 +7417,7 @@
           <a:p>
             <a:fld id="{1C8D6449-44BE-4375-B03D-85825BCA7067}" type="datetimeFigureOut">
               <a:rPr lang="en-IN" smtClean="0"/>
-              <a:t>03-05-2024</a:t>
+              <a:t>07-05-2024</a:t>
             </a:fld>
             <a:endParaRPr lang="en-IN"/>
           </a:p>
@@ -8938,7 +8938,7 @@
           <a:p>
             <a:fld id="{1C8D6449-44BE-4375-B03D-85825BCA7067}" type="datetimeFigureOut">
               <a:rPr lang="en-IN" smtClean="0"/>
-              <a:t>03-05-2024</a:t>
+              <a:t>07-05-2024</a:t>
             </a:fld>
             <a:endParaRPr lang="en-IN"/>
           </a:p>
@@ -10603,7 +10603,7 @@
           <a:p>
             <a:fld id="{1C8D6449-44BE-4375-B03D-85825BCA7067}" type="datetimeFigureOut">
               <a:rPr lang="en-IN" smtClean="0"/>
-              <a:t>03-05-2024</a:t>
+              <a:t>07-05-2024</a:t>
             </a:fld>
             <a:endParaRPr lang="en-IN"/>
           </a:p>
@@ -12001,7 +12001,7 @@
           <a:p>
             <a:fld id="{1C8D6449-44BE-4375-B03D-85825BCA7067}" type="datetimeFigureOut">
               <a:rPr lang="en-IN" smtClean="0"/>
-              <a:t>03-05-2024</a:t>
+              <a:t>07-05-2024</a:t>
             </a:fld>
             <a:endParaRPr lang="en-IN"/>
           </a:p>
@@ -12101,7 +12101,7 @@
           <a:p>
             <a:fld id="{1C8D6449-44BE-4375-B03D-85825BCA7067}" type="datetimeFigureOut">
               <a:rPr lang="en-IN" smtClean="0"/>
-              <a:t>03-05-2024</a:t>
+              <a:t>07-05-2024</a:t>
             </a:fld>
             <a:endParaRPr lang="en-IN"/>
           </a:p>
@@ -13627,7 +13627,7 @@
           <a:p>
             <a:fld id="{1C8D6449-44BE-4375-B03D-85825BCA7067}" type="datetimeFigureOut">
               <a:rPr lang="en-IN" smtClean="0"/>
-              <a:t>03-05-2024</a:t>
+              <a:t>07-05-2024</a:t>
             </a:fld>
             <a:endParaRPr lang="en-IN"/>
           </a:p>
@@ -15163,7 +15163,7 @@
           <a:p>
             <a:fld id="{1C8D6449-44BE-4375-B03D-85825BCA7067}" type="datetimeFigureOut">
               <a:rPr lang="en-IN" smtClean="0"/>
-              <a:t>03-05-2024</a:t>
+              <a:t>07-05-2024</a:t>
             </a:fld>
             <a:endParaRPr lang="en-IN"/>
           </a:p>
@@ -15386,7 +15386,7 @@
           <a:p>
             <a:fld id="{1C8D6449-44BE-4375-B03D-85825BCA7067}" type="datetimeFigureOut">
               <a:rPr lang="en-IN" smtClean="0"/>
-              <a:t>03-05-2024</a:t>
+              <a:t>07-05-2024</a:t>
             </a:fld>
             <a:endParaRPr lang="en-IN"/>
           </a:p>
@@ -16960,10 +16960,10 @@
       </p:sp>
       <p:pic>
         <p:nvPicPr>
-          <p:cNvPr id="7" name="Picture 6">
+          <p:cNvPr id="5" name="Picture 4">
             <a:extLst>
               <a:ext uri="{FF2B5EF4-FFF2-40B4-BE49-F238E27FC236}">
-                <a16:creationId xmlns:a16="http://schemas.microsoft.com/office/drawing/2014/main" id="{AF59D125-E2F9-AB00-535B-1B48BC7CA7C6}"/>
+                <a16:creationId xmlns:a16="http://schemas.microsoft.com/office/drawing/2014/main" id="{B6B9FDE9-278D-4B37-FAA8-E0CD9FC22DFF}"/>
               </a:ext>
             </a:extLst>
           </p:cNvPr>
@@ -16986,8 +16986,8 @@
         </p:blipFill>
         <p:spPr>
           <a:xfrm>
-            <a:off x="1297933" y="1787515"/>
-            <a:ext cx="8164073" cy="4767397"/>
+            <a:off x="304502" y="1377844"/>
+            <a:ext cx="11582995" cy="4102311"/>
           </a:xfrm>
           <a:prstGeom prst="rect">
             <a:avLst/>
@@ -17039,7 +17039,7 @@
         <p:spPr>
           <a:xfrm>
             <a:off x="832207" y="780836"/>
-            <a:ext cx="11116638" cy="3416320"/>
+            <a:ext cx="11116638" cy="3693319"/>
           </a:xfrm>
           <a:prstGeom prst="rect">
             <a:avLst/>
@@ -17135,8 +17135,22 @@
               <a:buChar char="•"/>
             </a:pPr>
             <a:r>
+              <a:rPr lang="en-IN" dirty="0">
+                <a:hlinkClick r:id="rId2"/>
+              </a:rPr>
+              <a:t>https://vrfc2rmfwjsqmco3apgsbx7i6a0bsmei.lambda-url.eu-north-1.on.aws/docs</a:t>
+            </a:r>
+            <a:r>
               <a:rPr lang="en-IN" dirty="0"/>
-              <a:t>API URL</a:t>
+              <a:t> this URL is </a:t>
+            </a:r>
+            <a:r>
+              <a:rPr lang="en-IN" dirty="0" err="1"/>
+              <a:t>FastAPI</a:t>
+            </a:r>
+            <a:r>
+              <a:rPr lang="en-IN" dirty="0"/>
+              <a:t> swagger for viewing and accessing all API implemented.</a:t>
             </a:r>
           </a:p>
           <a:p>
@@ -17310,21 +17324,7 @@
                 <a:latin typeface="Arial" panose="020B0604020202020204" pitchFamily="34" charset="0"/>
                 <a:cs typeface="Arial" panose="020B0604020202020204" pitchFamily="34" charset="0"/>
               </a:rPr>
-              <a:t>env/Scripts/activate		# </a:t>
-            </a:r>
-            <a:r>
-              <a:rPr lang="en-US" dirty="0" err="1">
-                <a:latin typeface="Arial" panose="020B0604020202020204" pitchFamily="34" charset="0"/>
-                <a:cs typeface="Arial" panose="020B0604020202020204" pitchFamily="34" charset="0"/>
-              </a:rPr>
-              <a:t>actived</a:t>
-            </a:r>
-            <a:r>
-              <a:rPr lang="en-US" dirty="0">
-                <a:latin typeface="Arial" panose="020B0604020202020204" pitchFamily="34" charset="0"/>
-                <a:cs typeface="Arial" panose="020B0604020202020204" pitchFamily="34" charset="0"/>
-              </a:rPr>
-              <a:t> Virtual environment </a:t>
+              <a:t>env/Scripts/activate		# activated Virtual environment </a:t>
             </a:r>
           </a:p>
           <a:p>
@@ -17550,7 +17550,7 @@
         </p:blipFill>
         <p:spPr>
           <a:xfrm>
-            <a:off x="6098042" y="1643867"/>
+            <a:off x="6096000" y="490928"/>
             <a:ext cx="5977824" cy="4140484"/>
           </a:xfrm>
           <a:prstGeom prst="rect">
